--- a/SE499/Lectures/1/Introduction.pptx
+++ b/SE499/Lectures/1/Introduction.pptx
@@ -5,7 +5,7 @@
     <p:sldMasterId id="2147483648" r:id="rId1"/>
   </p:sldMasterIdLst>
   <p:notesMasterIdLst>
-    <p:notesMasterId r:id="rId32"/>
+    <p:notesMasterId r:id="rId35"/>
   </p:notesMasterIdLst>
   <p:sldIdLst>
     <p:sldId id="256" r:id="rId2"/>
@@ -22,22 +22,25 @@
     <p:sldId id="743" r:id="rId13"/>
     <p:sldId id="744" r:id="rId14"/>
     <p:sldId id="745" r:id="rId15"/>
-    <p:sldId id="746" r:id="rId16"/>
-    <p:sldId id="747" r:id="rId17"/>
-    <p:sldId id="748" r:id="rId18"/>
-    <p:sldId id="753" r:id="rId19"/>
-    <p:sldId id="749" r:id="rId20"/>
-    <p:sldId id="750" r:id="rId21"/>
-    <p:sldId id="751" r:id="rId22"/>
-    <p:sldId id="755" r:id="rId23"/>
-    <p:sldId id="756" r:id="rId24"/>
-    <p:sldId id="759" r:id="rId25"/>
-    <p:sldId id="760" r:id="rId26"/>
-    <p:sldId id="757" r:id="rId27"/>
-    <p:sldId id="754" r:id="rId28"/>
-    <p:sldId id="761" r:id="rId29"/>
-    <p:sldId id="762" r:id="rId30"/>
-    <p:sldId id="763" r:id="rId31"/>
+    <p:sldId id="764" r:id="rId16"/>
+    <p:sldId id="765" r:id="rId17"/>
+    <p:sldId id="766" r:id="rId18"/>
+    <p:sldId id="746" r:id="rId19"/>
+    <p:sldId id="747" r:id="rId20"/>
+    <p:sldId id="748" r:id="rId21"/>
+    <p:sldId id="753" r:id="rId22"/>
+    <p:sldId id="749" r:id="rId23"/>
+    <p:sldId id="750" r:id="rId24"/>
+    <p:sldId id="751" r:id="rId25"/>
+    <p:sldId id="755" r:id="rId26"/>
+    <p:sldId id="756" r:id="rId27"/>
+    <p:sldId id="759" r:id="rId28"/>
+    <p:sldId id="760" r:id="rId29"/>
+    <p:sldId id="757" r:id="rId30"/>
+    <p:sldId id="754" r:id="rId31"/>
+    <p:sldId id="761" r:id="rId32"/>
+    <p:sldId id="762" r:id="rId33"/>
+    <p:sldId id="763" r:id="rId34"/>
   </p:sldIdLst>
   <p:sldSz cx="12192000" cy="6858000"/>
   <p:notesSz cx="6858000" cy="9144000"/>
@@ -255,7 +258,7 @@
           <a:p>
             <a:fld id="{41DA9887-9249-49FD-809A-BACB264048C3}" type="datetimeFigureOut">
               <a:rPr lang="en-US" smtClean="0"/>
-              <a:t>8/30/2023</a:t>
+              <a:t>9/13/2023</a:t>
             </a:fld>
             <a:endParaRPr lang="en-US"/>
           </a:p>
@@ -657,7 +660,7 @@
           <a:p>
             <a:fld id="{EF213E56-3C1A-435A-851B-5B1F221C2038}" type="datetime1">
               <a:rPr lang="en-US" smtClean="0"/>
-              <a:t>8/30/2023</a:t>
+              <a:t>9/13/2023</a:t>
             </a:fld>
             <a:endParaRPr lang="en-US"/>
           </a:p>
@@ -936,7 +939,7 @@
           <a:p>
             <a:fld id="{B4696837-4851-4AA6-8AED-554226C981D1}" type="datetime1">
               <a:rPr lang="en-US" smtClean="0"/>
-              <a:t>8/30/2023</a:t>
+              <a:t>9/13/2023</a:t>
             </a:fld>
             <a:endParaRPr lang="en-US"/>
           </a:p>
@@ -1114,7 +1117,7 @@
           <a:p>
             <a:fld id="{BADD32E1-BB70-4827-BA33-FF5AFC435BE9}" type="datetime1">
               <a:rPr lang="en-US" smtClean="0"/>
-              <a:t>8/30/2023</a:t>
+              <a:t>9/13/2023</a:t>
             </a:fld>
             <a:endParaRPr lang="en-US"/>
           </a:p>
@@ -1360,7 +1363,7 @@
             </a:pPr>
             <a:fld id="{40B9EAF6-54F2-4DF5-9C6B-3F6F95B86356}" type="datetime1">
               <a:rPr lang="en-US" smtClean="0"/>
-              <a:t>8/30/2023</a:t>
+              <a:t>9/13/2023</a:t>
             </a:fld>
             <a:endParaRPr lang="en-US"/>
           </a:p>
@@ -1541,7 +1544,7 @@
             </a:pPr>
             <a:fld id="{D3D64A56-6FF4-479A-8655-719A18A98C4B}" type="datetime1">
               <a:rPr lang="en-US" smtClean="0"/>
-              <a:t>8/30/2023</a:t>
+              <a:t>9/13/2023</a:t>
             </a:fld>
             <a:endParaRPr lang="en-US"/>
           </a:p>
@@ -1819,7 +1822,7 @@
           <a:p>
             <a:fld id="{BB961044-FC46-4CBC-9061-59528F4899F3}" type="datetime1">
               <a:rPr lang="en-US" smtClean="0"/>
-              <a:t>8/30/2023</a:t>
+              <a:t>9/13/2023</a:t>
             </a:fld>
             <a:endParaRPr lang="en-US"/>
           </a:p>
@@ -2163,7 +2166,7 @@
           <a:p>
             <a:fld id="{4466A08C-77F3-471E-A5C4-1D2068144BAC}" type="datetime1">
               <a:rPr lang="en-US" smtClean="0"/>
-              <a:t>8/30/2023</a:t>
+              <a:t>9/13/2023</a:t>
             </a:fld>
             <a:endParaRPr lang="en-US"/>
           </a:p>
@@ -2392,7 +2395,7 @@
           <a:p>
             <a:fld id="{B90A7AD1-16F4-44C3-AE32-24C59A599E9D}" type="datetime1">
               <a:rPr lang="en-US" smtClean="0"/>
-              <a:t>8/30/2023</a:t>
+              <a:t>9/13/2023</a:t>
             </a:fld>
             <a:endParaRPr lang="en-US"/>
           </a:p>
@@ -2756,7 +2759,7 @@
           <a:p>
             <a:fld id="{B583DB4F-4316-4DF5-A229-BC1D787C82A0}" type="datetime1">
               <a:rPr lang="en-US" smtClean="0"/>
-              <a:t>8/30/2023</a:t>
+              <a:t>9/13/2023</a:t>
             </a:fld>
             <a:endParaRPr lang="en-US"/>
           </a:p>
@@ -2851,7 +2854,7 @@
           <a:p>
             <a:fld id="{AE6064B7-7A9F-432D-B7B9-6824267AA574}" type="datetime1">
               <a:rPr lang="en-US" smtClean="0"/>
-              <a:t>8/30/2023</a:t>
+              <a:t>9/13/2023</a:t>
             </a:fld>
             <a:endParaRPr lang="en-US"/>
           </a:p>
@@ -3073,7 +3076,7 @@
             <a:fld id="{B2F5E2FA-C428-4CE7-95B0-168D3259A5BB}" type="datetimeFigureOut">
               <a:rPr lang="en-US" smtClean="0"/>
               <a:pPr/>
-              <a:t>8/30/2023</a:t>
+              <a:t>9/13/2023</a:t>
             </a:fld>
             <a:endParaRPr lang="en-US"/>
           </a:p>
@@ -3244,7 +3247,7 @@
           <a:p>
             <a:fld id="{4E1C93A2-B712-486A-8AB5-D41B95D547BE}" type="datetime1">
               <a:rPr lang="en-US" smtClean="0"/>
-              <a:t>8/30/2023</a:t>
+              <a:t>9/13/2023</a:t>
             </a:fld>
             <a:endParaRPr lang="en-US"/>
           </a:p>
@@ -3519,7 +3522,7 @@
           <a:p>
             <a:fld id="{CAB2F318-F19F-4608-B7EF-F7FB8A482213}" type="datetime1">
               <a:rPr lang="en-US" smtClean="0"/>
-              <a:t>8/30/2023</a:t>
+              <a:t>9/13/2023</a:t>
             </a:fld>
             <a:endParaRPr lang="en-US"/>
           </a:p>
@@ -3771,7 +3774,7 @@
           <a:p>
             <a:fld id="{BB9CEF8C-69D6-4C3E-B892-F682F307A7B6}" type="datetime1">
               <a:rPr lang="en-US" smtClean="0"/>
-              <a:t>8/30/2023</a:t>
+              <a:t>9/13/2023</a:t>
             </a:fld>
             <a:endParaRPr lang="en-US"/>
           </a:p>
@@ -3982,7 +3985,7 @@
           <a:p>
             <a:fld id="{FB737C73-4A31-4C17-AFB7-7B8470027787}" type="datetime1">
               <a:rPr lang="en-US" smtClean="0"/>
-              <a:t>8/30/2023</a:t>
+              <a:t>9/13/2023</a:t>
             </a:fld>
             <a:endParaRPr lang="en-US"/>
           </a:p>
@@ -5285,95 +5288,6 @@
       </p:grpSpPr>
       <p:sp>
         <p:nvSpPr>
-          <p:cNvPr id="2" name="Title 1"/>
-          <p:cNvSpPr>
-            <a:spLocks noGrp="1"/>
-          </p:cNvSpPr>
-          <p:nvPr>
-            <p:ph type="title"/>
-          </p:nvPr>
-        </p:nvSpPr>
-        <p:spPr/>
-        <p:txBody>
-          <a:bodyPr/>
-          <a:lstStyle/>
-          <a:p>
-            <a:r>
-              <a:rPr lang="en-US" dirty="0"/>
-              <a:t>Examples of product backlog items</a:t>
-            </a:r>
-          </a:p>
-        </p:txBody>
-      </p:sp>
-      <p:sp>
-        <p:nvSpPr>
-          <p:cNvPr id="3" name="Content Placeholder 2"/>
-          <p:cNvSpPr>
-            <a:spLocks noGrp="1"/>
-          </p:cNvSpPr>
-          <p:nvPr>
-            <p:ph idx="1"/>
-          </p:nvPr>
-        </p:nvSpPr>
-        <p:spPr/>
-        <p:txBody>
-          <a:bodyPr>
-            <a:normAutofit/>
-          </a:bodyPr>
-          <a:lstStyle/>
-          <a:p>
-            <a:pPr marL="0" indent="0">
-              <a:lnSpc>
-                <a:spcPct val="150000"/>
-              </a:lnSpc>
-              <a:buNone/>
-            </a:pPr>
-            <a:r>
-              <a:rPr lang="en-US" dirty="0"/>
-              <a:t>1.  As a teacher, I want to be able to configure the group of tools that are available to individual classes. (feature)</a:t>
-            </a:r>
-          </a:p>
-          <a:p>
-            <a:pPr marL="0" indent="0">
-              <a:lnSpc>
-                <a:spcPct val="150000"/>
-              </a:lnSpc>
-              <a:buNone/>
-            </a:pPr>
-            <a:r>
-              <a:rPr lang="en-US" dirty="0"/>
-              <a:t>2.  As a parent, I want to be able to view my </a:t>
-            </a:r>
-            <a:r>
-              <a:rPr lang="en-US" dirty="0" err="1"/>
-              <a:t>childrens</a:t>
-            </a:r>
-            <a:r>
-              <a:rPr lang="en-US" dirty="0"/>
-              <a:t>’ work and the assessments made by their teachers. (feature)</a:t>
-            </a:r>
-          </a:p>
-          <a:p>
-            <a:pPr marL="0" indent="0">
-              <a:lnSpc>
-                <a:spcPct val="150000"/>
-              </a:lnSpc>
-              <a:buNone/>
-            </a:pPr>
-            <a:r>
-              <a:rPr lang="en-US" dirty="0"/>
-              <a:t>3.  As a teacher of young children, I want a pictorial interface for children with limited reading ability. (user request</a:t>
-            </a:r>
-            <a:r>
-              <a:rPr lang="en-US" dirty="0" smtClean="0"/>
-              <a:t>)</a:t>
-            </a:r>
-            <a:endParaRPr lang="en-US" dirty="0"/>
-          </a:p>
-        </p:txBody>
-      </p:sp>
-      <p:sp>
-        <p:nvSpPr>
           <p:cNvPr id="4" name="Slide Number Placeholder 3"/>
           <p:cNvSpPr>
             <a:spLocks noGrp="1"/>
@@ -5396,10 +5310,51 @@
           </a:p>
         </p:txBody>
       </p:sp>
+      <p:pic>
+        <p:nvPicPr>
+          <p:cNvPr id="1026" name="Picture 2" descr="Product Backlog vs Sprint Backlog in Scrum | DoneTonic"/>
+          <p:cNvPicPr>
+            <a:picLocks noChangeAspect="1" noChangeArrowheads="1"/>
+          </p:cNvPicPr>
+          <p:nvPr/>
+        </p:nvPicPr>
+        <p:blipFill>
+          <a:blip r:embed="rId2">
+            <a:extLst>
+              <a:ext uri="{28A0092B-C50C-407E-A947-70E740481C1C}">
+                <a14:useLocalDpi xmlns:a14="http://schemas.microsoft.com/office/drawing/2010/main" val="0"/>
+              </a:ext>
+            </a:extLst>
+          </a:blip>
+          <a:srcRect/>
+          <a:stretch>
+            <a:fillRect/>
+          </a:stretch>
+        </p:blipFill>
+        <p:spPr bwMode="auto">
+          <a:xfrm>
+            <a:off x="2064190" y="37121"/>
+            <a:ext cx="7493963" cy="6766560"/>
+          </a:xfrm>
+          <a:prstGeom prst="rect">
+            <a:avLst/>
+          </a:prstGeom>
+          <a:noFill/>
+          <a:extLst>
+            <a:ext uri="{909E8E84-426E-40DD-AFC4-6F175D3DCCD1}">
+              <a14:hiddenFill xmlns:a14="http://schemas.microsoft.com/office/drawing/2010/main">
+                <a:solidFill>
+                  <a:srgbClr val="FFFFFF"/>
+                </a:solidFill>
+              </a14:hiddenFill>
+            </a:ext>
+          </a:extLst>
+        </p:spPr>
+      </p:pic>
     </p:spTree>
     <p:extLst>
       <p:ext uri="{BB962C8B-B14F-4D97-AF65-F5344CB8AC3E}">
-        <p14:creationId xmlns:p14="http://schemas.microsoft.com/office/powerpoint/2010/main" val="1124767628"/>
+        <p14:creationId xmlns:p14="http://schemas.microsoft.com/office/powerpoint/2010/main" val="2492421393"/>
       </p:ext>
     </p:extLst>
   </p:cSld>
@@ -5435,87 +5390,7 @@
       </p:grpSpPr>
       <p:sp>
         <p:nvSpPr>
-          <p:cNvPr id="2" name="Title 1"/>
-          <p:cNvSpPr>
-            <a:spLocks noGrp="1"/>
-          </p:cNvSpPr>
-          <p:nvPr>
-            <p:ph type="title"/>
-          </p:nvPr>
-        </p:nvSpPr>
-        <p:spPr/>
-        <p:txBody>
-          <a:bodyPr/>
-          <a:lstStyle/>
-          <a:p>
-            <a:r>
-              <a:rPr lang="en-US" dirty="0"/>
-              <a:t>Examples of product backlog items</a:t>
-            </a:r>
-          </a:p>
-        </p:txBody>
-      </p:sp>
-      <p:sp>
-        <p:nvSpPr>
-          <p:cNvPr id="3" name="Content Placeholder 2"/>
-          <p:cNvSpPr>
-            <a:spLocks noGrp="1"/>
-          </p:cNvSpPr>
-          <p:nvPr>
-            <p:ph idx="1"/>
-          </p:nvPr>
-        </p:nvSpPr>
-        <p:spPr/>
-        <p:txBody>
-          <a:bodyPr>
-            <a:normAutofit/>
-          </a:bodyPr>
-          <a:lstStyle/>
-          <a:p>
-            <a:pPr marL="0" indent="0">
-              <a:lnSpc>
-                <a:spcPct val="150000"/>
-              </a:lnSpc>
-              <a:buNone/>
-            </a:pPr>
-            <a:r>
-              <a:rPr lang="en-US" dirty="0" smtClean="0"/>
-              <a:t>4</a:t>
-            </a:r>
-            <a:r>
-              <a:rPr lang="en-US" dirty="0"/>
-              <a:t>. Establish criteria for the assessment of open source software that might be used as a basis for parts of this system. (development activity)</a:t>
-            </a:r>
-          </a:p>
-          <a:p>
-            <a:pPr marL="0" indent="0">
-              <a:lnSpc>
-                <a:spcPct val="150000"/>
-              </a:lnSpc>
-              <a:buNone/>
-            </a:pPr>
-            <a:r>
-              <a:rPr lang="en-US" dirty="0"/>
-              <a:t>5.  Refactor user interface code to improve understandability and performance. (engineering improvement)</a:t>
-            </a:r>
-          </a:p>
-          <a:p>
-            <a:pPr marL="0" indent="0">
-              <a:lnSpc>
-                <a:spcPct val="150000"/>
-              </a:lnSpc>
-              <a:buNone/>
-            </a:pPr>
-            <a:r>
-              <a:rPr lang="en-US" dirty="0"/>
-              <a:t>6.  Implement encryption for all personal user data. (engineering improvement)</a:t>
-            </a:r>
-          </a:p>
-        </p:txBody>
-      </p:sp>
-      <p:sp>
-        <p:nvSpPr>
-          <p:cNvPr id="4" name="Slide Number Placeholder 3"/>
+          <p:cNvPr id="2" name="Slide Number Placeholder 1"/>
           <p:cNvSpPr>
             <a:spLocks noGrp="1"/>
           </p:cNvSpPr>
@@ -5530,17 +5405,98 @@
           <a:p>
             <a:fld id="{B8DACC02-A2BD-4578-8E03-6D891060A695}" type="slidenum">
               <a:rPr lang="en-US" smtClean="0"/>
-              <a:pPr/>
               <a:t>16</a:t>
             </a:fld>
-            <a:endParaRPr lang="en-US" dirty="0"/>
-          </a:p>
-        </p:txBody>
-      </p:sp>
+            <a:endParaRPr lang="en-US"/>
+          </a:p>
+        </p:txBody>
+      </p:sp>
+      <p:pic>
+        <p:nvPicPr>
+          <p:cNvPr id="5" name="Picture 4" descr="Good Product Backlog Characteristics | Scrum Product Backlogs | InformIT"/>
+          <p:cNvPicPr>
+            <a:picLocks noChangeAspect="1" noChangeArrowheads="1"/>
+          </p:cNvPicPr>
+          <p:nvPr/>
+        </p:nvPicPr>
+        <p:blipFill>
+          <a:blip r:embed="rId2">
+            <a:extLst>
+              <a:ext uri="{28A0092B-C50C-407E-A947-70E740481C1C}">
+                <a14:useLocalDpi xmlns:a14="http://schemas.microsoft.com/office/drawing/2010/main" val="0"/>
+              </a:ext>
+            </a:extLst>
+          </a:blip>
+          <a:srcRect/>
+          <a:stretch>
+            <a:fillRect/>
+          </a:stretch>
+        </p:blipFill>
+        <p:spPr bwMode="auto">
+          <a:xfrm>
+            <a:off x="6969715" y="1501707"/>
+            <a:ext cx="4794332" cy="3627017"/>
+          </a:xfrm>
+          <a:prstGeom prst="rect">
+            <a:avLst/>
+          </a:prstGeom>
+          <a:noFill/>
+          <a:extLst>
+            <a:ext uri="{909E8E84-426E-40DD-AFC4-6F175D3DCCD1}">
+              <a14:hiddenFill xmlns:a14="http://schemas.microsoft.com/office/drawing/2010/main">
+                <a:solidFill>
+                  <a:srgbClr val="FFFFFF"/>
+                </a:solidFill>
+              </a14:hiddenFill>
+            </a:ext>
+          </a:extLst>
+        </p:spPr>
+      </p:pic>
+      <p:pic>
+        <p:nvPicPr>
+          <p:cNvPr id="2054" name="Picture 6" descr="https://uploads-ssl.webflow.com/62c41df069f3e62476a3ccbe/6374c9c0867c9f5617014e56_AjC-AZovukB0fHWeEvag4UOg1GR3apVvGy396-5HQcaz_FAZxJ_qCzZZEPXJkdgJ0G9vB-4negwTqNYZ_aAZ5xNrPhlwunBKUMyeM_RutY2rK3jaJtxpTSqEdhVISIjjnzx7exAF2JQOFQfSdLUUtocKfQ32PD7eZysssaGk8ySgPeU_RYnuWAfMglRi.png"/>
+          <p:cNvPicPr>
+            <a:picLocks noChangeAspect="1" noChangeArrowheads="1"/>
+          </p:cNvPicPr>
+          <p:nvPr/>
+        </p:nvPicPr>
+        <p:blipFill>
+          <a:blip r:embed="rId3">
+            <a:extLst>
+              <a:ext uri="{28A0092B-C50C-407E-A947-70E740481C1C}">
+                <a14:useLocalDpi xmlns:a14="http://schemas.microsoft.com/office/drawing/2010/main" val="0"/>
+              </a:ext>
+            </a:extLst>
+          </a:blip>
+          <a:srcRect/>
+          <a:stretch>
+            <a:fillRect/>
+          </a:stretch>
+        </p:blipFill>
+        <p:spPr bwMode="auto">
+          <a:xfrm>
+            <a:off x="416833" y="1166323"/>
+            <a:ext cx="5715000" cy="3962401"/>
+          </a:xfrm>
+          <a:prstGeom prst="rect">
+            <a:avLst/>
+          </a:prstGeom>
+          <a:noFill/>
+          <a:extLst>
+            <a:ext uri="{909E8E84-426E-40DD-AFC4-6F175D3DCCD1}">
+              <a14:hiddenFill xmlns:a14="http://schemas.microsoft.com/office/drawing/2010/main">
+                <a:solidFill>
+                  <a:srgbClr val="FFFFFF"/>
+                </a:solidFill>
+              </a14:hiddenFill>
+            </a:ext>
+          </a:extLst>
+        </p:spPr>
+      </p:pic>
     </p:spTree>
     <p:extLst>
       <p:ext uri="{BB962C8B-B14F-4D97-AF65-F5344CB8AC3E}">
-        <p14:creationId xmlns:p14="http://schemas.microsoft.com/office/powerpoint/2010/main" val="960036805"/>
+        <p14:creationId xmlns:p14="http://schemas.microsoft.com/office/powerpoint/2010/main" val="1853437371"/>
       </p:ext>
     </p:extLst>
   </p:cSld>
@@ -5576,96 +5532,7 @@
       </p:grpSpPr>
       <p:sp>
         <p:nvSpPr>
-          <p:cNvPr id="2" name="Title 1"/>
-          <p:cNvSpPr>
-            <a:spLocks noGrp="1"/>
-          </p:cNvSpPr>
-          <p:nvPr>
-            <p:ph type="title"/>
-          </p:nvPr>
-        </p:nvSpPr>
-        <p:spPr/>
-        <p:txBody>
-          <a:bodyPr/>
-          <a:lstStyle/>
-          <a:p>
-            <a:r>
-              <a:rPr lang="en-US" dirty="0"/>
-              <a:t>Examples of product backlog items</a:t>
-            </a:r>
-          </a:p>
-        </p:txBody>
-      </p:sp>
-      <p:sp>
-        <p:nvSpPr>
-          <p:cNvPr id="3" name="Content Placeholder 2"/>
-          <p:cNvSpPr>
-            <a:spLocks noGrp="1"/>
-          </p:cNvSpPr>
-          <p:nvPr>
-            <p:ph idx="1"/>
-          </p:nvPr>
-        </p:nvSpPr>
-        <p:spPr/>
-        <p:txBody>
-          <a:bodyPr>
-            <a:normAutofit/>
-          </a:bodyPr>
-          <a:lstStyle/>
-          <a:p>
-            <a:pPr>
-              <a:lnSpc>
-                <a:spcPct val="200000"/>
-              </a:lnSpc>
-            </a:pPr>
-            <a:r>
-              <a:rPr lang="en-US" dirty="0"/>
-              <a:t>Ready for </a:t>
-            </a:r>
-            <a:r>
-              <a:rPr lang="en-US" dirty="0" smtClean="0"/>
-              <a:t>consideration</a:t>
-            </a:r>
-          </a:p>
-          <a:p>
-            <a:pPr>
-              <a:lnSpc>
-                <a:spcPct val="200000"/>
-              </a:lnSpc>
-            </a:pPr>
-            <a:r>
-              <a:rPr lang="en-US" dirty="0" smtClean="0"/>
-              <a:t>Ready </a:t>
-            </a:r>
-            <a:r>
-              <a:rPr lang="en-US" dirty="0"/>
-              <a:t>for </a:t>
-            </a:r>
-            <a:r>
-              <a:rPr lang="en-US" dirty="0" smtClean="0"/>
-              <a:t>refinement</a:t>
-            </a:r>
-          </a:p>
-          <a:p>
-            <a:pPr>
-              <a:lnSpc>
-                <a:spcPct val="200000"/>
-              </a:lnSpc>
-            </a:pPr>
-            <a:r>
-              <a:rPr lang="en-US" dirty="0" smtClean="0"/>
-              <a:t>Ready </a:t>
-            </a:r>
-            <a:r>
-              <a:rPr lang="en-US" dirty="0"/>
-              <a:t>for implementation	</a:t>
-            </a:r>
-          </a:p>
-        </p:txBody>
-      </p:sp>
-      <p:sp>
-        <p:nvSpPr>
-          <p:cNvPr id="4" name="Slide Number Placeholder 3"/>
+          <p:cNvPr id="2" name="Slide Number Placeholder 1"/>
           <p:cNvSpPr>
             <a:spLocks noGrp="1"/>
           </p:cNvSpPr>
@@ -5680,17 +5547,55 @@
           <a:p>
             <a:fld id="{B8DACC02-A2BD-4578-8E03-6D891060A695}" type="slidenum">
               <a:rPr lang="en-US" smtClean="0"/>
-              <a:pPr/>
               <a:t>17</a:t>
             </a:fld>
-            <a:endParaRPr lang="en-US" dirty="0"/>
-          </a:p>
-        </p:txBody>
-      </p:sp>
+            <a:endParaRPr lang="en-US"/>
+          </a:p>
+        </p:txBody>
+      </p:sp>
+      <p:pic>
+        <p:nvPicPr>
+          <p:cNvPr id="3074" name="Picture 2" descr="Product vs. Release vs. Sprint Backlog: Expert Guide | Aha! software"/>
+          <p:cNvPicPr>
+            <a:picLocks noChangeAspect="1" noChangeArrowheads="1"/>
+          </p:cNvPicPr>
+          <p:nvPr/>
+        </p:nvPicPr>
+        <p:blipFill rotWithShape="1">
+          <a:blip r:embed="rId2">
+            <a:extLst>
+              <a:ext uri="{28A0092B-C50C-407E-A947-70E740481C1C}">
+                <a14:useLocalDpi xmlns:a14="http://schemas.microsoft.com/office/drawing/2010/main" val="0"/>
+              </a:ext>
+            </a:extLst>
+          </a:blip>
+          <a:srcRect l="5015" t="7962" r="6013" b="9020"/>
+          <a:stretch/>
+        </p:blipFill>
+        <p:spPr bwMode="auto">
+          <a:xfrm>
+            <a:off x="539620" y="207477"/>
+            <a:ext cx="10814180" cy="6148873"/>
+          </a:xfrm>
+          <a:prstGeom prst="rect">
+            <a:avLst/>
+          </a:prstGeom>
+          <a:noFill/>
+          <a:extLst>
+            <a:ext uri="{909E8E84-426E-40DD-AFC4-6F175D3DCCD1}">
+              <a14:hiddenFill xmlns:a14="http://schemas.microsoft.com/office/drawing/2010/main">
+                <a:solidFill>
+                  <a:srgbClr val="FFFFFF"/>
+                </a:solidFill>
+              </a14:hiddenFill>
+            </a:ext>
+          </a:extLst>
+        </p:spPr>
+      </p:pic>
     </p:spTree>
     <p:extLst>
       <p:ext uri="{BB962C8B-B14F-4D97-AF65-F5344CB8AC3E}">
-        <p14:creationId xmlns:p14="http://schemas.microsoft.com/office/powerpoint/2010/main" val="483516918"/>
+        <p14:creationId xmlns:p14="http://schemas.microsoft.com/office/powerpoint/2010/main" val="818802191"/>
       </p:ext>
     </p:extLst>
   </p:cSld>
@@ -5741,7 +5646,7 @@
           <a:p>
             <a:r>
               <a:rPr lang="en-US" dirty="0"/>
-              <a:t>Product backlog activities</a:t>
+              <a:t>Examples of product backlog items</a:t>
             </a:r>
           </a:p>
         </p:txBody>
@@ -5763,48 +5668,53 @@
           </a:bodyPr>
           <a:lstStyle/>
           <a:p>
-            <a:pPr>
+            <a:pPr marL="0" indent="0">
               <a:lnSpc>
-                <a:spcPct val="200000"/>
+                <a:spcPct val="150000"/>
               </a:lnSpc>
+              <a:buNone/>
             </a:pPr>
             <a:r>
               <a:rPr lang="en-US" dirty="0"/>
-              <a:t>Refinement </a:t>
-            </a:r>
-          </a:p>
-          <a:p>
-            <a:pPr>
+              <a:t>1.  As a teacher, I want to be able to configure the group of tools that are available to individual classes. (feature)</a:t>
+            </a:r>
+          </a:p>
+          <a:p>
+            <a:pPr marL="0" indent="0">
               <a:lnSpc>
-                <a:spcPct val="200000"/>
+                <a:spcPct val="150000"/>
               </a:lnSpc>
+              <a:buNone/>
             </a:pPr>
             <a:r>
               <a:rPr lang="en-US" dirty="0"/>
-              <a:t>Estimation</a:t>
-            </a:r>
-          </a:p>
-          <a:p>
-            <a:pPr>
+              <a:t>2.  As a parent, I want to be able to view my </a:t>
+            </a:r>
+            <a:r>
+              <a:rPr lang="en-US" dirty="0" err="1"/>
+              <a:t>childrens</a:t>
+            </a:r>
+            <a:r>
+              <a:rPr lang="en-US" dirty="0"/>
+              <a:t>’ work and the assessments made by their teachers. (feature)</a:t>
+            </a:r>
+          </a:p>
+          <a:p>
+            <a:pPr marL="0" indent="0">
               <a:lnSpc>
-                <a:spcPct val="200000"/>
+                <a:spcPct val="150000"/>
               </a:lnSpc>
+              <a:buNone/>
             </a:pPr>
             <a:r>
               <a:rPr lang="en-US" dirty="0"/>
-              <a:t>Creation</a:t>
-            </a:r>
-          </a:p>
-          <a:p>
-            <a:pPr>
-              <a:lnSpc>
-                <a:spcPct val="200000"/>
-              </a:lnSpc>
-            </a:pPr>
-            <a:r>
-              <a:rPr lang="en-US" dirty="0"/>
-              <a:t>Prioritization</a:t>
-            </a:r>
+              <a:t>3.  As a teacher of young children, I want a pictorial interface for children with limited reading ability. (user request</a:t>
+            </a:r>
+            <a:r>
+              <a:rPr lang="en-US" dirty="0" smtClean="0"/>
+              <a:t>)</a:t>
+            </a:r>
+            <a:endParaRPr lang="en-US" dirty="0"/>
           </a:p>
         </p:txBody>
       </p:sp>
@@ -5835,7 +5745,7 @@
     </p:spTree>
     <p:extLst>
       <p:ext uri="{BB962C8B-B14F-4D97-AF65-F5344CB8AC3E}">
-        <p14:creationId xmlns:p14="http://schemas.microsoft.com/office/powerpoint/2010/main" val="3734650907"/>
+        <p14:creationId xmlns:p14="http://schemas.microsoft.com/office/powerpoint/2010/main" val="1124767628"/>
       </p:ext>
     </p:extLst>
   </p:cSld>
@@ -5886,7 +5796,65 @@
           <a:p>
             <a:r>
               <a:rPr lang="en-US" dirty="0"/>
-              <a:t>Product backlog activities</a:t>
+              <a:t>Examples of product backlog items</a:t>
+            </a:r>
+          </a:p>
+        </p:txBody>
+      </p:sp>
+      <p:sp>
+        <p:nvSpPr>
+          <p:cNvPr id="3" name="Content Placeholder 2"/>
+          <p:cNvSpPr>
+            <a:spLocks noGrp="1"/>
+          </p:cNvSpPr>
+          <p:nvPr>
+            <p:ph idx="1"/>
+          </p:nvPr>
+        </p:nvSpPr>
+        <p:spPr/>
+        <p:txBody>
+          <a:bodyPr>
+            <a:normAutofit/>
+          </a:bodyPr>
+          <a:lstStyle/>
+          <a:p>
+            <a:pPr marL="0" indent="0">
+              <a:lnSpc>
+                <a:spcPct val="150000"/>
+              </a:lnSpc>
+              <a:buNone/>
+            </a:pPr>
+            <a:r>
+              <a:rPr lang="en-US" dirty="0" smtClean="0"/>
+              <a:t>4</a:t>
+            </a:r>
+            <a:r>
+              <a:rPr lang="en-US" dirty="0"/>
+              <a:t>. Establish criteria for the assessment of open source software that might be used as a basis for parts of this system. (development activity)</a:t>
+            </a:r>
+          </a:p>
+          <a:p>
+            <a:pPr marL="0" indent="0">
+              <a:lnSpc>
+                <a:spcPct val="150000"/>
+              </a:lnSpc>
+              <a:buNone/>
+            </a:pPr>
+            <a:r>
+              <a:rPr lang="en-US" dirty="0"/>
+              <a:t>5.  Refactor user interface code to improve understandability and performance. (engineering improvement)</a:t>
+            </a:r>
+          </a:p>
+          <a:p>
+            <a:pPr marL="0" indent="0">
+              <a:lnSpc>
+                <a:spcPct val="150000"/>
+              </a:lnSpc>
+              <a:buNone/>
+            </a:pPr>
+            <a:r>
+              <a:rPr lang="en-US" dirty="0"/>
+              <a:t>6.  Implement encryption for all personal user data. (engineering improvement)</a:t>
             </a:r>
           </a:p>
         </p:txBody>
@@ -5915,45 +5883,10 @@
           </a:p>
         </p:txBody>
       </p:sp>
-      <p:pic>
-        <p:nvPicPr>
-          <p:cNvPr id="6" name="Picture 5">
-            <a:extLst>
-              <a:ext uri="{FF2B5EF4-FFF2-40B4-BE49-F238E27FC236}">
-                <a16:creationId xmlns:a16="http://schemas.microsoft.com/office/drawing/2014/main" id="{C2B98535-8773-C940-AA4A-E94097689161}"/>
-              </a:ext>
-            </a:extLst>
-          </p:cNvPr>
-          <p:cNvPicPr>
-            <a:picLocks noChangeAspect="1"/>
-          </p:cNvPicPr>
-          <p:nvPr/>
-        </p:nvPicPr>
-        <p:blipFill rotWithShape="1">
-          <a:blip r:embed="rId2">
-            <a:extLst>
-              <a:ext uri="{28A0092B-C50C-407E-A947-70E740481C1C}">
-                <a14:useLocalDpi xmlns:a14="http://schemas.microsoft.com/office/drawing/2010/main" val="0"/>
-              </a:ext>
-            </a:extLst>
-          </a:blip>
-          <a:srcRect l="16470" t="8757" r="13959" b="50730"/>
-          <a:stretch/>
-        </p:blipFill>
-        <p:spPr>
-          <a:xfrm>
-            <a:off x="2544025" y="1207300"/>
-            <a:ext cx="7115069" cy="5625161"/>
-          </a:xfrm>
-          <a:prstGeom prst="rect">
-            <a:avLst/>
-          </a:prstGeom>
-        </p:spPr>
-      </p:pic>
     </p:spTree>
     <p:extLst>
       <p:ext uri="{BB962C8B-B14F-4D97-AF65-F5344CB8AC3E}">
-        <p14:creationId xmlns:p14="http://schemas.microsoft.com/office/powerpoint/2010/main" val="1143326311"/>
+        <p14:creationId xmlns:p14="http://schemas.microsoft.com/office/powerpoint/2010/main" val="960036805"/>
       </p:ext>
     </p:extLst>
   </p:cSld>
@@ -6174,10 +6107,9 @@
           <a:lstStyle/>
           <a:p>
             <a:r>
-              <a:rPr lang="en-US" dirty="0" smtClean="0"/>
-              <a:t>Project Charter</a:t>
-            </a:r>
-            <a:endParaRPr lang="en-US" dirty="0"/>
+              <a:rPr lang="en-US" dirty="0"/>
+              <a:t>Examples of product backlog items</a:t>
+            </a:r>
           </a:p>
         </p:txBody>
       </p:sp>
@@ -6200,67 +6132,51 @@
           <a:p>
             <a:pPr>
               <a:lnSpc>
-                <a:spcPct val="150000"/>
+                <a:spcPct val="200000"/>
               </a:lnSpc>
             </a:pPr>
             <a:r>
-              <a:rPr lang="en-US" dirty="0" smtClean="0"/>
-              <a:t>Project objectives</a:t>
+              <a:rPr lang="en-US" dirty="0"/>
+              <a:t>Ready for </a:t>
+            </a:r>
+            <a:r>
+              <a:rPr lang="en-US" dirty="0" smtClean="0"/>
+              <a:t>consideration</a:t>
             </a:r>
           </a:p>
           <a:p>
             <a:pPr>
               <a:lnSpc>
-                <a:spcPct val="150000"/>
+                <a:spcPct val="200000"/>
               </a:lnSpc>
             </a:pPr>
             <a:r>
               <a:rPr lang="en-US" dirty="0" smtClean="0"/>
-              <a:t>Main stakeholders</a:t>
+              <a:t>Ready </a:t>
+            </a:r>
+            <a:r>
+              <a:rPr lang="en-US" dirty="0"/>
+              <a:t>for </a:t>
+            </a:r>
+            <a:r>
+              <a:rPr lang="en-US" dirty="0" smtClean="0"/>
+              <a:t>refinement</a:t>
             </a:r>
           </a:p>
           <a:p>
             <a:pPr>
               <a:lnSpc>
-                <a:spcPct val="150000"/>
+                <a:spcPct val="200000"/>
               </a:lnSpc>
             </a:pPr>
             <a:r>
               <a:rPr lang="en-US" dirty="0" smtClean="0"/>
-              <a:t>Project's scope</a:t>
-            </a:r>
-            <a:endParaRPr lang="en-US" dirty="0"/>
-          </a:p>
-          <a:p>
-            <a:pPr>
-              <a:lnSpc>
-                <a:spcPct val="150000"/>
-              </a:lnSpc>
-            </a:pPr>
-            <a:r>
-              <a:rPr lang="en-US" dirty="0" smtClean="0"/>
-              <a:t>Project risks and constraints</a:t>
-            </a:r>
-          </a:p>
-          <a:p>
-            <a:pPr>
-              <a:lnSpc>
-                <a:spcPct val="150000"/>
-              </a:lnSpc>
-            </a:pPr>
-            <a:r>
-              <a:rPr lang="en-US" dirty="0" smtClean="0"/>
-              <a:t>Key </a:t>
-            </a:r>
-            <a:r>
-              <a:rPr lang="en-US" dirty="0"/>
-              <a:t>performance </a:t>
-            </a:r>
-            <a:r>
-              <a:rPr lang="en-US" dirty="0" smtClean="0"/>
-              <a:t>indicators</a:t>
-            </a:r>
-            <a:endParaRPr lang="en-US" dirty="0"/>
+              <a:t>Ready </a:t>
+            </a:r>
+            <a:r>
+              <a:rPr lang="en-US" dirty="0"/>
+              <a:t>for implementation	</a:t>
+            </a:r>
           </a:p>
         </p:txBody>
       </p:sp>
@@ -6291,7 +6207,7 @@
     </p:spTree>
     <p:extLst>
       <p:ext uri="{BB962C8B-B14F-4D97-AF65-F5344CB8AC3E}">
-        <p14:creationId xmlns:p14="http://schemas.microsoft.com/office/powerpoint/2010/main" val="2041327715"/>
+        <p14:creationId xmlns:p14="http://schemas.microsoft.com/office/powerpoint/2010/main" val="483516918"/>
       </p:ext>
     </p:extLst>
   </p:cSld>
@@ -6341,10 +6257,9 @@
           <a:lstStyle/>
           <a:p>
             <a:r>
-              <a:rPr lang="en-US" dirty="0" smtClean="0"/>
-              <a:t>Project Charter</a:t>
-            </a:r>
-            <a:endParaRPr lang="en-US" dirty="0"/>
+              <a:rPr lang="en-US" dirty="0"/>
+              <a:t>Product backlog activities</a:t>
+            </a:r>
           </a:p>
         </p:txBody>
       </p:sp>
@@ -6361,111 +6276,51 @@
         <p:spPr/>
         <p:txBody>
           <a:bodyPr>
-            <a:normAutofit fontScale="70000" lnSpcReduction="20000"/>
+            <a:normAutofit/>
           </a:bodyPr>
           <a:lstStyle/>
           <a:p>
             <a:pPr>
               <a:lnSpc>
-                <a:spcPct val="150000"/>
+                <a:spcPct val="200000"/>
               </a:lnSpc>
             </a:pPr>
             <a:r>
               <a:rPr lang="en-US" dirty="0"/>
-              <a:t>Project Name</a:t>
+              <a:t>Refinement </a:t>
             </a:r>
           </a:p>
           <a:p>
             <a:pPr>
               <a:lnSpc>
-                <a:spcPct val="150000"/>
+                <a:spcPct val="200000"/>
               </a:lnSpc>
             </a:pPr>
             <a:r>
               <a:rPr lang="en-US" dirty="0"/>
-              <a:t>Project Description</a:t>
+              <a:t>Estimation</a:t>
             </a:r>
           </a:p>
           <a:p>
             <a:pPr>
               <a:lnSpc>
-                <a:spcPct val="150000"/>
+                <a:spcPct val="200000"/>
               </a:lnSpc>
             </a:pPr>
             <a:r>
               <a:rPr lang="en-US" dirty="0"/>
-              <a:t>Scope</a:t>
+              <a:t>Creation</a:t>
             </a:r>
           </a:p>
           <a:p>
             <a:pPr>
               <a:lnSpc>
-                <a:spcPct val="150000"/>
+                <a:spcPct val="200000"/>
               </a:lnSpc>
             </a:pPr>
             <a:r>
               <a:rPr lang="en-US" dirty="0"/>
-              <a:t>Business Case</a:t>
-            </a:r>
-          </a:p>
-          <a:p>
-            <a:pPr>
-              <a:lnSpc>
-                <a:spcPct val="150000"/>
-              </a:lnSpc>
-            </a:pPr>
-            <a:r>
-              <a:rPr lang="en-US" dirty="0"/>
-              <a:t>Constraints</a:t>
-            </a:r>
-          </a:p>
-          <a:p>
-            <a:pPr>
-              <a:lnSpc>
-                <a:spcPct val="150000"/>
-              </a:lnSpc>
-            </a:pPr>
-            <a:r>
-              <a:rPr lang="en-US" dirty="0"/>
-              <a:t>Deliverables</a:t>
-            </a:r>
-          </a:p>
-          <a:p>
-            <a:pPr>
-              <a:lnSpc>
-                <a:spcPct val="150000"/>
-              </a:lnSpc>
-            </a:pPr>
-            <a:r>
-              <a:rPr lang="en-US" dirty="0"/>
-              <a:t>KPIs (Measurable Results)</a:t>
-            </a:r>
-          </a:p>
-          <a:p>
-            <a:pPr>
-              <a:lnSpc>
-                <a:spcPct val="150000"/>
-              </a:lnSpc>
-            </a:pPr>
-            <a:r>
-              <a:rPr lang="en-US" dirty="0"/>
-              <a:t>Key </a:t>
-            </a:r>
-            <a:r>
-              <a:rPr lang="en-US" dirty="0" smtClean="0"/>
-              <a:t>Stakeholders</a:t>
-            </a:r>
-            <a:endParaRPr lang="en-US" dirty="0"/>
-          </a:p>
-          <a:p>
-            <a:pPr>
-              <a:lnSpc>
-                <a:spcPct val="150000"/>
-              </a:lnSpc>
-            </a:pPr>
-            <a:r>
-              <a:rPr lang="en-US" dirty="0"/>
-              <a:t>Risks</a:t>
+              <a:t>Prioritization</a:t>
             </a:r>
           </a:p>
         </p:txBody>
@@ -6497,7 +6352,7 @@
     </p:spTree>
     <p:extLst>
       <p:ext uri="{BB962C8B-B14F-4D97-AF65-F5344CB8AC3E}">
-        <p14:creationId xmlns:p14="http://schemas.microsoft.com/office/powerpoint/2010/main" val="1494296486"/>
+        <p14:creationId xmlns:p14="http://schemas.microsoft.com/office/powerpoint/2010/main" val="3734650907"/>
       </p:ext>
     </p:extLst>
   </p:cSld>
@@ -6548,88 +6403,7 @@
           <a:p>
             <a:r>
               <a:rPr lang="en-US" dirty="0"/>
-              <a:t>SWE Project Development Practices</a:t>
-            </a:r>
-          </a:p>
-        </p:txBody>
-      </p:sp>
-      <p:sp>
-        <p:nvSpPr>
-          <p:cNvPr id="3" name="Content Placeholder 2"/>
-          <p:cNvSpPr>
-            <a:spLocks noGrp="1"/>
-          </p:cNvSpPr>
-          <p:nvPr>
-            <p:ph idx="1"/>
-          </p:nvPr>
-        </p:nvSpPr>
-        <p:spPr/>
-        <p:txBody>
-          <a:bodyPr/>
-          <a:lstStyle/>
-          <a:p>
-            <a:r>
-              <a:rPr lang="en-US" dirty="0"/>
-              <a:t>You will work with </a:t>
-            </a:r>
-            <a:r>
-              <a:rPr lang="en-US" dirty="0" smtClean="0"/>
-              <a:t>your team members to </a:t>
-            </a:r>
-            <a:r>
-              <a:rPr lang="en-US" dirty="0"/>
-              <a:t>develop a </a:t>
-            </a:r>
-            <a:r>
-              <a:rPr lang="en-US" dirty="0" smtClean="0"/>
-              <a:t>software </a:t>
-            </a:r>
-            <a:r>
-              <a:rPr lang="en-US" dirty="0"/>
-              <a:t>project. </a:t>
-            </a:r>
-            <a:endParaRPr lang="en-US" dirty="0" smtClean="0"/>
-          </a:p>
-          <a:p>
-            <a:r>
-              <a:rPr lang="en-US" dirty="0" smtClean="0"/>
-              <a:t>The </a:t>
-            </a:r>
-            <a:r>
-              <a:rPr lang="en-US" dirty="0"/>
-              <a:t>project experience is designed to be as close to the development of an industrial software project. </a:t>
-            </a:r>
-            <a:endParaRPr lang="en-US" dirty="0" smtClean="0"/>
-          </a:p>
-          <a:p>
-            <a:r>
-              <a:rPr lang="en-US" dirty="0" smtClean="0"/>
-              <a:t>For </a:t>
-            </a:r>
-            <a:r>
-              <a:rPr lang="en-US" dirty="0"/>
-              <a:t>that, you will have the opportunity to work with leading tools and technologies, for software development and collaboration. </a:t>
-            </a:r>
-            <a:endParaRPr lang="en-US" dirty="0" smtClean="0"/>
-          </a:p>
-          <a:p>
-            <a:r>
-              <a:rPr lang="en-US" dirty="0" smtClean="0"/>
-              <a:t>Throughout </a:t>
-            </a:r>
-            <a:r>
-              <a:rPr lang="en-US" dirty="0"/>
-              <a:t>this course, you will collaborate with your peers to design and develop features to provide value for potential users.</a:t>
-            </a:r>
-          </a:p>
-          <a:p>
-            <a:r>
-              <a:rPr lang="en-US" dirty="0" smtClean="0"/>
-              <a:t>The </a:t>
-            </a:r>
-            <a:r>
-              <a:rPr lang="en-US" dirty="0"/>
-              <a:t>instructor will serve as the client and will help in crafting the overall vision and requirements of the software project.</a:t>
+              <a:t>Product backlog activities</a:t>
             </a:r>
           </a:p>
         </p:txBody>
@@ -6658,16 +6432,58 @@
           </a:p>
         </p:txBody>
       </p:sp>
+      <p:pic>
+        <p:nvPicPr>
+          <p:cNvPr id="6" name="Picture 5">
+            <a:extLst>
+              <a:ext uri="{FF2B5EF4-FFF2-40B4-BE49-F238E27FC236}">
+                <a16:creationId xmlns:a16="http://schemas.microsoft.com/office/drawing/2014/main" id="{C2B98535-8773-C940-AA4A-E94097689161}"/>
+              </a:ext>
+            </a:extLst>
+          </p:cNvPr>
+          <p:cNvPicPr>
+            <a:picLocks noChangeAspect="1"/>
+          </p:cNvPicPr>
+          <p:nvPr/>
+        </p:nvPicPr>
+        <p:blipFill rotWithShape="1">
+          <a:blip r:embed="rId2">
+            <a:extLst>
+              <a:ext uri="{28A0092B-C50C-407E-A947-70E740481C1C}">
+                <a14:useLocalDpi xmlns:a14="http://schemas.microsoft.com/office/drawing/2010/main" val="0"/>
+              </a:ext>
+            </a:extLst>
+          </a:blip>
+          <a:srcRect l="16470" t="8757" r="13959" b="50730"/>
+          <a:stretch/>
+        </p:blipFill>
+        <p:spPr>
+          <a:xfrm>
+            <a:off x="2544025" y="1207300"/>
+            <a:ext cx="7115069" cy="5625161"/>
+          </a:xfrm>
+          <a:prstGeom prst="rect">
+            <a:avLst/>
+          </a:prstGeom>
+        </p:spPr>
+      </p:pic>
     </p:spTree>
     <p:extLst>
       <p:ext uri="{BB962C8B-B14F-4D97-AF65-F5344CB8AC3E}">
-        <p14:creationId xmlns:p14="http://schemas.microsoft.com/office/powerpoint/2010/main" val="1980593821"/>
+        <p14:creationId xmlns:p14="http://schemas.microsoft.com/office/powerpoint/2010/main" val="1143326311"/>
       </p:ext>
     </p:extLst>
   </p:cSld>
   <p:clrMapOvr>
     <a:masterClrMapping/>
   </p:clrMapOvr>
+  <p:timing>
+    <p:tnLst>
+      <p:par>
+        <p:cTn id="1" dur="indefinite" restart="never" nodeType="tmRoot"/>
+      </p:par>
+    </p:tnLst>
+  </p:timing>
 </p:sld>
 </file>
 
@@ -6704,9 +6520,10 @@
           <a:lstStyle/>
           <a:p>
             <a:r>
-              <a:rPr lang="en-US" dirty="0"/>
-              <a:t>SWE Project Development Practices</a:t>
-            </a:r>
+              <a:rPr lang="en-US" dirty="0" smtClean="0"/>
+              <a:t>Project Charter</a:t>
+            </a:r>
+            <a:endParaRPr lang="en-US" dirty="0"/>
           </a:p>
         </p:txBody>
       </p:sp>
@@ -6727,88 +6544,69 @@
           </a:bodyPr>
           <a:lstStyle/>
           <a:p>
-            <a:r>
-              <a:rPr lang="en-US" dirty="0"/>
-              <a:t>Teams</a:t>
-            </a:r>
-          </a:p>
-          <a:p>
-            <a:pPr lvl="1"/>
-            <a:r>
-              <a:rPr lang="en-US" dirty="0" smtClean="0"/>
-              <a:t>We </a:t>
-            </a:r>
-            <a:r>
-              <a:rPr lang="en-US" dirty="0"/>
-              <a:t>will form </a:t>
-            </a:r>
-            <a:r>
-              <a:rPr lang="en-US" dirty="0" smtClean="0"/>
-              <a:t>teams </a:t>
-            </a:r>
-            <a:r>
-              <a:rPr lang="en-US" dirty="0"/>
-              <a:t>that will take care of the </a:t>
-            </a:r>
-            <a:r>
-              <a:rPr lang="en-US" dirty="0" smtClean="0"/>
-              <a:t>features </a:t>
-            </a:r>
-            <a:r>
-              <a:rPr lang="en-US" dirty="0"/>
-              <a:t>of the system. The teams will be formed in the first week of </a:t>
-            </a:r>
-            <a:r>
-              <a:rPr lang="en-US" dirty="0" smtClean="0"/>
-              <a:t>class not exceeding 5 members by team.</a:t>
+            <a:pPr>
+              <a:lnSpc>
+                <a:spcPct val="150000"/>
+              </a:lnSpc>
+            </a:pPr>
+            <a:r>
+              <a:rPr lang="en-US" dirty="0" smtClean="0"/>
+              <a:t>Project objectives</a:t>
+            </a:r>
+          </a:p>
+          <a:p>
+            <a:pPr>
+              <a:lnSpc>
+                <a:spcPct val="150000"/>
+              </a:lnSpc>
+            </a:pPr>
+            <a:r>
+              <a:rPr lang="en-US" dirty="0" smtClean="0"/>
+              <a:t>Main stakeholders</a:t>
+            </a:r>
+          </a:p>
+          <a:p>
+            <a:pPr>
+              <a:lnSpc>
+                <a:spcPct val="150000"/>
+              </a:lnSpc>
+            </a:pPr>
+            <a:r>
+              <a:rPr lang="en-US" dirty="0" smtClean="0"/>
+              <a:t>Project's scope</a:t>
             </a:r>
             <a:endParaRPr lang="en-US" dirty="0"/>
           </a:p>
           <a:p>
-            <a:r>
-              <a:rPr lang="en-US" dirty="0" smtClean="0"/>
-              <a:t>Sprints</a:t>
+            <a:pPr>
+              <a:lnSpc>
+                <a:spcPct val="150000"/>
+              </a:lnSpc>
+            </a:pPr>
+            <a:r>
+              <a:rPr lang="en-US" dirty="0" smtClean="0"/>
+              <a:t>Project risks and constraints</a:t>
+            </a:r>
+          </a:p>
+          <a:p>
+            <a:pPr>
+              <a:lnSpc>
+                <a:spcPct val="150000"/>
+              </a:lnSpc>
+            </a:pPr>
+            <a:r>
+              <a:rPr lang="en-US" dirty="0" smtClean="0"/>
+              <a:t>Key </a:t>
+            </a:r>
+            <a:r>
+              <a:rPr lang="en-US" dirty="0"/>
+              <a:t>performance </a:t>
+            </a:r>
+            <a:r>
+              <a:rPr lang="en-US" dirty="0" smtClean="0"/>
+              <a:t>indicators</a:t>
             </a:r>
             <a:endParaRPr lang="en-US" dirty="0"/>
-          </a:p>
-          <a:p>
-            <a:pPr lvl="1"/>
-            <a:r>
-              <a:rPr lang="en-US" dirty="0"/>
-              <a:t>The project will be organized into </a:t>
-            </a:r>
-            <a:r>
-              <a:rPr lang="en-US" dirty="0" smtClean="0"/>
-              <a:t>three-week </a:t>
-            </a:r>
-            <a:r>
-              <a:rPr lang="en-US" dirty="0"/>
-              <a:t>sprints and will release a new version of the system at the end of every sprint. </a:t>
-            </a:r>
-            <a:endParaRPr lang="en-US" dirty="0" smtClean="0"/>
-          </a:p>
-          <a:p>
-            <a:pPr lvl="1"/>
-            <a:r>
-              <a:rPr lang="en-US" dirty="0" smtClean="0"/>
-              <a:t>You </a:t>
-            </a:r>
-            <a:r>
-              <a:rPr lang="en-US" dirty="0"/>
-              <a:t>will demonstrate your contributions to the project by giving a demo in class at the end of each sprint. </a:t>
-            </a:r>
-            <a:endParaRPr lang="en-US" dirty="0" smtClean="0"/>
-          </a:p>
-          <a:p>
-            <a:pPr lvl="1"/>
-            <a:r>
-              <a:rPr lang="en-US" dirty="0" smtClean="0"/>
-              <a:t>Demos </a:t>
-            </a:r>
-            <a:r>
-              <a:rPr lang="en-US" dirty="0"/>
-              <a:t>will be informal, offering you an opportunity to give a show and tell of a feature that you built and get comments and feedback from other students.</a:t>
-            </a:r>
           </a:p>
         </p:txBody>
       </p:sp>
@@ -6839,13 +6637,20 @@
     </p:spTree>
     <p:extLst>
       <p:ext uri="{BB962C8B-B14F-4D97-AF65-F5344CB8AC3E}">
-        <p14:creationId xmlns:p14="http://schemas.microsoft.com/office/powerpoint/2010/main" val="1830143469"/>
+        <p14:creationId xmlns:p14="http://schemas.microsoft.com/office/powerpoint/2010/main" val="2041327715"/>
       </p:ext>
     </p:extLst>
   </p:cSld>
   <p:clrMapOvr>
     <a:masterClrMapping/>
   </p:clrMapOvr>
+  <p:timing>
+    <p:tnLst>
+      <p:par>
+        <p:cTn id="1" dur="indefinite" restart="never" nodeType="tmRoot"/>
+      </p:par>
+    </p:tnLst>
+  </p:timing>
 </p:sld>
 </file>
 
@@ -6882,9 +6687,10 @@
           <a:lstStyle/>
           <a:p>
             <a:r>
-              <a:rPr lang="en-US" dirty="0"/>
-              <a:t>SWE Project Development Practices</a:t>
-            </a:r>
+              <a:rPr lang="en-US" dirty="0" smtClean="0"/>
+              <a:t>Project Charter</a:t>
+            </a:r>
+            <a:endParaRPr lang="en-US" dirty="0"/>
           </a:p>
         </p:txBody>
       </p:sp>
@@ -6901,115 +6707,111 @@
         <p:spPr/>
         <p:txBody>
           <a:bodyPr>
-            <a:normAutofit/>
+            <a:normAutofit fontScale="70000" lnSpcReduction="20000"/>
           </a:bodyPr>
           <a:lstStyle/>
           <a:p>
-            <a:r>
-              <a:rPr lang="en-US" dirty="0"/>
-              <a:t>Testing</a:t>
-            </a:r>
-          </a:p>
-          <a:p>
-            <a:pPr lvl="1"/>
-            <a:r>
-              <a:rPr lang="en-US" dirty="0"/>
-              <a:t>You will be responsible for unit testing all of the functionality you create. </a:t>
-            </a:r>
-            <a:endParaRPr lang="en-US" dirty="0" smtClean="0"/>
-          </a:p>
-          <a:p>
-            <a:pPr lvl="1"/>
-            <a:r>
-              <a:rPr lang="en-US" dirty="0" smtClean="0"/>
-              <a:t>The </a:t>
-            </a:r>
-            <a:r>
-              <a:rPr lang="en-US" dirty="0"/>
-              <a:t>quality of your testing practices and the usage of a unit-testing framework will be a </a:t>
-            </a:r>
-            <a:r>
-              <a:rPr lang="en-US" dirty="0" smtClean="0"/>
-              <a:t>component </a:t>
-            </a:r>
-            <a:r>
-              <a:rPr lang="en-US" dirty="0"/>
-              <a:t>of your grade</a:t>
-            </a:r>
-            <a:r>
-              <a:rPr lang="en-US" dirty="0" smtClean="0"/>
-              <a:t>.</a:t>
-            </a:r>
-          </a:p>
-          <a:p>
-            <a:r>
-              <a:rPr lang="en-US" dirty="0"/>
-              <a:t>Technology practices</a:t>
-            </a:r>
-          </a:p>
-          <a:p>
-            <a:pPr lvl="1"/>
-            <a:r>
-              <a:rPr lang="en-US" dirty="0" smtClean="0"/>
-              <a:t>All the team members are responsible and are expected to work on the project features.</a:t>
-            </a:r>
-          </a:p>
-          <a:p>
-            <a:pPr lvl="1"/>
-            <a:r>
-              <a:rPr lang="en-US" dirty="0" smtClean="0"/>
-              <a:t>Each </a:t>
-            </a:r>
-            <a:r>
-              <a:rPr lang="en-US" dirty="0"/>
-              <a:t>student </a:t>
-            </a:r>
-            <a:r>
-              <a:rPr lang="en-US" dirty="0" smtClean="0"/>
-              <a:t>of the team will </a:t>
-            </a:r>
-            <a:r>
-              <a:rPr lang="en-US" dirty="0"/>
-              <a:t>be </a:t>
-            </a:r>
-            <a:r>
-              <a:rPr lang="en-US" dirty="0" smtClean="0"/>
-              <a:t>assigned as an area expert.</a:t>
-            </a:r>
-          </a:p>
-          <a:p>
-            <a:pPr lvl="1"/>
-            <a:r>
-              <a:rPr lang="en-US" dirty="0" smtClean="0"/>
-              <a:t>The expert is expected to help other </a:t>
-            </a:r>
-            <a:r>
-              <a:rPr lang="en-US" dirty="0"/>
-              <a:t>team members get up to speed, answering their questions, and researching and defining best practices. </a:t>
-            </a:r>
-            <a:endParaRPr lang="en-US" dirty="0" smtClean="0"/>
-          </a:p>
-          <a:p>
-            <a:pPr lvl="1"/>
-            <a:r>
-              <a:rPr lang="en-US" dirty="0" smtClean="0"/>
-              <a:t>a </a:t>
-            </a:r>
-            <a:r>
-              <a:rPr lang="en-US" dirty="0"/>
-              <a:t>Wiki page on </a:t>
-            </a:r>
-            <a:r>
-              <a:rPr lang="en-US" dirty="0" err="1" smtClean="0"/>
-              <a:t>Github</a:t>
-            </a:r>
-            <a:r>
-              <a:rPr lang="en-US" dirty="0" smtClean="0"/>
-              <a:t> has to be maintained explaining </a:t>
-            </a:r>
-            <a:r>
-              <a:rPr lang="en-US" dirty="0"/>
-              <a:t>the basics of how to get started, addressing frequently asked questions, and documenting best practices. </a:t>
+            <a:pPr>
+              <a:lnSpc>
+                <a:spcPct val="150000"/>
+              </a:lnSpc>
+            </a:pPr>
+            <a:r>
+              <a:rPr lang="en-US" dirty="0"/>
+              <a:t>Project Name</a:t>
+            </a:r>
+          </a:p>
+          <a:p>
+            <a:pPr>
+              <a:lnSpc>
+                <a:spcPct val="150000"/>
+              </a:lnSpc>
+            </a:pPr>
+            <a:r>
+              <a:rPr lang="en-US" dirty="0"/>
+              <a:t>Project Description</a:t>
+            </a:r>
+          </a:p>
+          <a:p>
+            <a:pPr>
+              <a:lnSpc>
+                <a:spcPct val="150000"/>
+              </a:lnSpc>
+            </a:pPr>
+            <a:r>
+              <a:rPr lang="en-US" dirty="0"/>
+              <a:t>Scope</a:t>
+            </a:r>
+          </a:p>
+          <a:p>
+            <a:pPr>
+              <a:lnSpc>
+                <a:spcPct val="150000"/>
+              </a:lnSpc>
+            </a:pPr>
+            <a:r>
+              <a:rPr lang="en-US" dirty="0"/>
+              <a:t>Business Case</a:t>
+            </a:r>
+          </a:p>
+          <a:p>
+            <a:pPr>
+              <a:lnSpc>
+                <a:spcPct val="150000"/>
+              </a:lnSpc>
+            </a:pPr>
+            <a:r>
+              <a:rPr lang="en-US" dirty="0"/>
+              <a:t>Constraints</a:t>
+            </a:r>
+          </a:p>
+          <a:p>
+            <a:pPr>
+              <a:lnSpc>
+                <a:spcPct val="150000"/>
+              </a:lnSpc>
+            </a:pPr>
+            <a:r>
+              <a:rPr lang="en-US" dirty="0"/>
+              <a:t>Deliverables</a:t>
+            </a:r>
+          </a:p>
+          <a:p>
+            <a:pPr>
+              <a:lnSpc>
+                <a:spcPct val="150000"/>
+              </a:lnSpc>
+            </a:pPr>
+            <a:r>
+              <a:rPr lang="en-US" dirty="0"/>
+              <a:t>KPIs (Measurable Results)</a:t>
+            </a:r>
+          </a:p>
+          <a:p>
+            <a:pPr>
+              <a:lnSpc>
+                <a:spcPct val="150000"/>
+              </a:lnSpc>
+            </a:pPr>
+            <a:r>
+              <a:rPr lang="en-US" dirty="0"/>
+              <a:t>Key </a:t>
+            </a:r>
+            <a:r>
+              <a:rPr lang="en-US" dirty="0" smtClean="0"/>
+              <a:t>Stakeholders</a:t>
+            </a:r>
+            <a:endParaRPr lang="en-US" dirty="0"/>
+          </a:p>
+          <a:p>
+            <a:pPr>
+              <a:lnSpc>
+                <a:spcPct val="150000"/>
+              </a:lnSpc>
+            </a:pPr>
+            <a:r>
+              <a:rPr lang="en-US" dirty="0"/>
+              <a:t>Risks</a:t>
             </a:r>
           </a:p>
         </p:txBody>
@@ -7041,13 +6843,20 @@
     </p:spTree>
     <p:extLst>
       <p:ext uri="{BB962C8B-B14F-4D97-AF65-F5344CB8AC3E}">
-        <p14:creationId xmlns:p14="http://schemas.microsoft.com/office/powerpoint/2010/main" val="3107769479"/>
+        <p14:creationId xmlns:p14="http://schemas.microsoft.com/office/powerpoint/2010/main" val="1494296486"/>
       </p:ext>
     </p:extLst>
   </p:cSld>
   <p:clrMapOvr>
     <a:masterClrMapping/>
   </p:clrMapOvr>
+  <p:timing>
+    <p:tnLst>
+      <p:par>
+        <p:cTn id="1" dur="indefinite" restart="never" nodeType="tmRoot"/>
+      </p:par>
+    </p:tnLst>
+  </p:timing>
 </p:sld>
 </file>
 
@@ -7102,67 +6911,72 @@
         </p:nvSpPr>
         <p:spPr/>
         <p:txBody>
-          <a:bodyPr>
-            <a:normAutofit/>
-          </a:bodyPr>
-          <a:lstStyle/>
-          <a:p>
-            <a:r>
-              <a:rPr lang="en-US" dirty="0" smtClean="0"/>
-              <a:t>Technology </a:t>
-            </a:r>
-            <a:r>
-              <a:rPr lang="en-US" dirty="0"/>
-              <a:t>practices</a:t>
-            </a:r>
-          </a:p>
-          <a:p>
-            <a:pPr lvl="1"/>
-            <a:r>
-              <a:rPr lang="en-US" dirty="0" smtClean="0"/>
-              <a:t>Area expert will </a:t>
-            </a:r>
-            <a:r>
-              <a:rPr lang="en-US" dirty="0"/>
-              <a:t>ultimately be responsible for making project team members as productive as possible. </a:t>
+          <a:bodyPr/>
+          <a:lstStyle/>
+          <a:p>
+            <a:r>
+              <a:rPr lang="en-US" dirty="0"/>
+              <a:t>You will work with </a:t>
+            </a:r>
+            <a:r>
+              <a:rPr lang="en-US" dirty="0" smtClean="0"/>
+              <a:t>your team members to </a:t>
+            </a:r>
+            <a:r>
+              <a:rPr lang="en-US" dirty="0"/>
+              <a:t>develop a </a:t>
+            </a:r>
+            <a:r>
+              <a:rPr lang="en-US" dirty="0" smtClean="0"/>
+              <a:t>software </a:t>
+            </a:r>
+            <a:r>
+              <a:rPr lang="en-US" dirty="0"/>
+              <a:t>project. </a:t>
             </a:r>
             <a:endParaRPr lang="en-US" dirty="0" smtClean="0"/>
           </a:p>
           <a:p>
-            <a:pPr lvl="1"/>
+            <a:r>
+              <a:rPr lang="en-US" dirty="0" smtClean="0"/>
+              <a:t>The </a:t>
+            </a:r>
+            <a:r>
+              <a:rPr lang="en-US" dirty="0"/>
+              <a:t>project experience is designed to be as close to the development of an industrial software project. </a:t>
+            </a:r>
+            <a:endParaRPr lang="en-US" dirty="0" smtClean="0"/>
+          </a:p>
+          <a:p>
             <a:r>
               <a:rPr lang="en-US" dirty="0" smtClean="0"/>
               <a:t>For </a:t>
             </a:r>
             <a:r>
               <a:rPr lang="en-US" dirty="0"/>
-              <a:t>tools, this may include making sure students are aware of features and know how to use features to accomplish common activities (e.g., creating a personal branch on </a:t>
-            </a:r>
-            <a:r>
-              <a:rPr lang="en-US" dirty="0" err="1"/>
-              <a:t>Github</a:t>
-            </a:r>
-            <a:r>
-              <a:rPr lang="en-US" dirty="0"/>
-              <a:t>). </a:t>
+              <a:t>that, you will have the opportunity to work with leading tools and technologies, for software development and collaboration. </a:t>
             </a:r>
             <a:endParaRPr lang="en-US" dirty="0" smtClean="0"/>
           </a:p>
           <a:p>
-            <a:pPr lvl="1"/>
-            <a:r>
-              <a:rPr lang="en-US" dirty="0" smtClean="0"/>
-              <a:t>For </a:t>
-            </a:r>
-            <a:r>
-              <a:rPr lang="en-US" dirty="0"/>
-              <a:t>technologies, this may include setting guidelines and coding standards, offering example code snippets, or explaining how something works</a:t>
-            </a:r>
-            <a:r>
-              <a:rPr lang="en-US" dirty="0" smtClean="0"/>
-              <a:t>.</a:t>
-            </a:r>
-            <a:endParaRPr lang="en-US" dirty="0"/>
+            <a:r>
+              <a:rPr lang="en-US" dirty="0" smtClean="0"/>
+              <a:t>Throughout </a:t>
+            </a:r>
+            <a:r>
+              <a:rPr lang="en-US" dirty="0"/>
+              <a:t>this course, you will collaborate with your peers to design and develop features to provide value for potential users.</a:t>
+            </a:r>
+          </a:p>
+          <a:p>
+            <a:r>
+              <a:rPr lang="en-US" dirty="0" smtClean="0"/>
+              <a:t>The </a:t>
+            </a:r>
+            <a:r>
+              <a:rPr lang="en-US" dirty="0"/>
+              <a:t>instructor will serve as the client and will help in crafting the overall vision and requirements of the software project.</a:t>
+            </a:r>
           </a:p>
         </p:txBody>
       </p:sp>
@@ -7193,13 +7007,20 @@
     </p:spTree>
     <p:extLst>
       <p:ext uri="{BB962C8B-B14F-4D97-AF65-F5344CB8AC3E}">
-        <p14:creationId xmlns:p14="http://schemas.microsoft.com/office/powerpoint/2010/main" val="83931835"/>
+        <p14:creationId xmlns:p14="http://schemas.microsoft.com/office/powerpoint/2010/main" val="1980593821"/>
       </p:ext>
     </p:extLst>
   </p:cSld>
   <p:clrMapOvr>
     <a:masterClrMapping/>
   </p:clrMapOvr>
+  <p:timing>
+    <p:tnLst>
+      <p:par>
+        <p:cTn id="1" dur="indefinite" restart="never" nodeType="tmRoot"/>
+      </p:par>
+    </p:tnLst>
+  </p:timing>
 </p:sld>
 </file>
 
@@ -7261,22 +7082,61 @@
           <a:p>
             <a:r>
               <a:rPr lang="en-US" dirty="0"/>
-              <a:t>Class meetings</a:t>
+              <a:t>Teams</a:t>
             </a:r>
           </a:p>
           <a:p>
             <a:pPr lvl="1"/>
             <a:r>
-              <a:rPr lang="en-US" dirty="0"/>
-              <a:t>You will </a:t>
-            </a:r>
-            <a:r>
-              <a:rPr lang="en-US" dirty="0" smtClean="0"/>
-              <a:t>meet weekly for </a:t>
-            </a:r>
-            <a:r>
-              <a:rPr lang="en-US" dirty="0"/>
-              <a:t>team discussions (although you should also discuss and collaborate outside class meetings). </a:t>
+              <a:rPr lang="en-US" dirty="0" smtClean="0"/>
+              <a:t>We </a:t>
+            </a:r>
+            <a:r>
+              <a:rPr lang="en-US" dirty="0"/>
+              <a:t>will form </a:t>
+            </a:r>
+            <a:r>
+              <a:rPr lang="en-US" dirty="0" smtClean="0"/>
+              <a:t>teams </a:t>
+            </a:r>
+            <a:r>
+              <a:rPr lang="en-US" dirty="0"/>
+              <a:t>that will take care of the </a:t>
+            </a:r>
+            <a:r>
+              <a:rPr lang="en-US" dirty="0" smtClean="0"/>
+              <a:t>features </a:t>
+            </a:r>
+            <a:r>
+              <a:rPr lang="en-US" dirty="0"/>
+              <a:t>of the system. The teams will be formed in the first week of </a:t>
+            </a:r>
+            <a:r>
+              <a:rPr lang="en-US" dirty="0" smtClean="0"/>
+              <a:t>class not exceeding 5 members by team.</a:t>
+            </a:r>
+            <a:endParaRPr lang="en-US" dirty="0"/>
+          </a:p>
+          <a:p>
+            <a:r>
+              <a:rPr lang="en-US" dirty="0" smtClean="0"/>
+              <a:t>Sprints</a:t>
+            </a:r>
+            <a:endParaRPr lang="en-US" dirty="0"/>
+          </a:p>
+          <a:p>
+            <a:pPr lvl="1"/>
+            <a:r>
+              <a:rPr lang="en-US" dirty="0"/>
+              <a:t>The project will be organized into </a:t>
+            </a:r>
+            <a:r>
+              <a:rPr lang="en-US" dirty="0" smtClean="0"/>
+              <a:t>three-week </a:t>
+            </a:r>
+            <a:r>
+              <a:rPr lang="en-US" dirty="0"/>
+              <a:t>sprints and will release a new version of the system at the end of every sprint. </a:t>
             </a:r>
             <a:endParaRPr lang="en-US" dirty="0" smtClean="0"/>
           </a:p>
@@ -7284,71 +7144,24 @@
             <a:pPr lvl="1"/>
             <a:r>
               <a:rPr lang="en-US" dirty="0" smtClean="0"/>
-              <a:t>Common </a:t>
-            </a:r>
-            <a:r>
-              <a:rPr lang="en-US" dirty="0"/>
-              <a:t>discussion topics include: </a:t>
+              <a:t>You </a:t>
+            </a:r>
+            <a:r>
+              <a:rPr lang="en-US" dirty="0"/>
+              <a:t>will demonstrate your contributions to the project by giving a demo in class at the end of each sprint. </a:t>
             </a:r>
             <a:endParaRPr lang="en-US" dirty="0" smtClean="0"/>
           </a:p>
           <a:p>
-            <a:pPr lvl="2"/>
-            <a:r>
-              <a:rPr lang="en-US" dirty="0" smtClean="0"/>
-              <a:t>tool </a:t>
-            </a:r>
-            <a:r>
-              <a:rPr lang="en-US" dirty="0"/>
-              <a:t>and technology best practices, </a:t>
-            </a:r>
-            <a:endParaRPr lang="en-US" dirty="0" smtClean="0"/>
-          </a:p>
-          <a:p>
-            <a:pPr lvl="2"/>
-            <a:r>
-              <a:rPr lang="en-US" dirty="0" smtClean="0"/>
-              <a:t>features </a:t>
-            </a:r>
-            <a:r>
-              <a:rPr lang="en-US" dirty="0"/>
-              <a:t>and </a:t>
-            </a:r>
-            <a:r>
-              <a:rPr lang="en-US" dirty="0" smtClean="0"/>
-              <a:t>requirements</a:t>
-            </a:r>
-          </a:p>
-          <a:p>
-            <a:pPr lvl="2"/>
-            <a:r>
-              <a:rPr lang="en-US" dirty="0" smtClean="0"/>
-              <a:t>architecture </a:t>
-            </a:r>
-            <a:r>
-              <a:rPr lang="en-US" dirty="0"/>
-              <a:t>and design, and </a:t>
-            </a:r>
-            <a:endParaRPr lang="en-US" dirty="0" smtClean="0"/>
-          </a:p>
-          <a:p>
-            <a:pPr lvl="2"/>
-            <a:r>
-              <a:rPr lang="en-US" dirty="0" smtClean="0"/>
-              <a:t>planning </a:t>
-            </a:r>
-            <a:r>
-              <a:rPr lang="en-US" dirty="0"/>
-              <a:t>the next sprint. </a:t>
-            </a:r>
-            <a:endParaRPr lang="en-US" dirty="0" smtClean="0"/>
-          </a:p>
-          <a:p>
-            <a:r>
-              <a:rPr lang="en-US" dirty="0" smtClean="0"/>
-              <a:t>We need to agree on a time for the class.</a:t>
-            </a:r>
-            <a:endParaRPr lang="en-US" dirty="0"/>
+            <a:pPr lvl="1"/>
+            <a:r>
+              <a:rPr lang="en-US" dirty="0" smtClean="0"/>
+              <a:t>Demos </a:t>
+            </a:r>
+            <a:r>
+              <a:rPr lang="en-US" dirty="0"/>
+              <a:t>will be informal, offering you an opportunity to give a show and tell of a feature that you built and get comments and feedback from other students.</a:t>
+            </a:r>
           </a:p>
         </p:txBody>
       </p:sp>
@@ -7379,13 +7192,20 @@
     </p:spTree>
     <p:extLst>
       <p:ext uri="{BB962C8B-B14F-4D97-AF65-F5344CB8AC3E}">
-        <p14:creationId xmlns:p14="http://schemas.microsoft.com/office/powerpoint/2010/main" val="2669223992"/>
+        <p14:creationId xmlns:p14="http://schemas.microsoft.com/office/powerpoint/2010/main" val="1830143469"/>
       </p:ext>
     </p:extLst>
   </p:cSld>
   <p:clrMapOvr>
     <a:masterClrMapping/>
   </p:clrMapOvr>
+  <p:timing>
+    <p:tnLst>
+      <p:par>
+        <p:cTn id="1" dur="indefinite" restart="never" nodeType="tmRoot"/>
+      </p:par>
+    </p:tnLst>
+  </p:timing>
 </p:sld>
 </file>
 
@@ -7422,10 +7242,9 @@
           <a:lstStyle/>
           <a:p>
             <a:r>
-              <a:rPr lang="en-US" dirty="0" smtClean="0"/>
-              <a:t>Reports</a:t>
-            </a:r>
-            <a:endParaRPr lang="en-US" dirty="0"/>
+              <a:rPr lang="en-US" dirty="0"/>
+              <a:t>SWE Project Development Practices</a:t>
+            </a:r>
           </a:p>
         </p:txBody>
       </p:sp>
@@ -7442,132 +7261,116 @@
         <p:spPr/>
         <p:txBody>
           <a:bodyPr>
-            <a:normAutofit fontScale="85000" lnSpcReduction="20000"/>
+            <a:normAutofit/>
           </a:bodyPr>
           <a:lstStyle/>
           <a:p>
-            <a:pPr>
-              <a:lnSpc>
-                <a:spcPct val="150000"/>
-              </a:lnSpc>
-            </a:pPr>
-            <a:r>
-              <a:rPr lang="en-US" dirty="0" smtClean="0"/>
-              <a:t>At </a:t>
-            </a:r>
-            <a:r>
-              <a:rPr lang="en-US" dirty="0"/>
-              <a:t>the end of each sprint, you will show your progress in an informal demo and a report. </a:t>
+            <a:r>
+              <a:rPr lang="en-US" dirty="0"/>
+              <a:t>Testing</a:t>
+            </a:r>
+          </a:p>
+          <a:p>
+            <a:pPr lvl="1"/>
+            <a:r>
+              <a:rPr lang="en-US" dirty="0"/>
+              <a:t>You will be responsible for unit testing all of the functionality you create. </a:t>
             </a:r>
             <a:endParaRPr lang="en-US" dirty="0" smtClean="0"/>
           </a:p>
           <a:p>
-            <a:pPr>
-              <a:lnSpc>
-                <a:spcPct val="150000"/>
-              </a:lnSpc>
-            </a:pPr>
-            <a:r>
-              <a:rPr lang="en-US" dirty="0" smtClean="0"/>
-              <a:t>You </a:t>
-            </a:r>
-            <a:r>
-              <a:rPr lang="en-US" dirty="0"/>
-              <a:t>will also submit a assessment of your peer’s work. </a:t>
+            <a:pPr lvl="1"/>
+            <a:r>
+              <a:rPr lang="en-US" dirty="0" smtClean="0"/>
+              <a:t>The </a:t>
+            </a:r>
+            <a:r>
+              <a:rPr lang="en-US" dirty="0"/>
+              <a:t>quality of your testing practices and the usage of a unit-testing framework will be a </a:t>
+            </a:r>
+            <a:r>
+              <a:rPr lang="en-US" dirty="0" smtClean="0"/>
+              <a:t>component </a:t>
+            </a:r>
+            <a:r>
+              <a:rPr lang="en-US" dirty="0"/>
+              <a:t>of your grade</a:t>
+            </a:r>
+            <a:r>
+              <a:rPr lang="en-US" dirty="0" smtClean="0"/>
+              <a:t>.</a:t>
+            </a:r>
+          </a:p>
+          <a:p>
+            <a:r>
+              <a:rPr lang="en-US" dirty="0"/>
+              <a:t>Technology practices</a:t>
+            </a:r>
+          </a:p>
+          <a:p>
+            <a:pPr lvl="1"/>
+            <a:r>
+              <a:rPr lang="en-US" dirty="0" smtClean="0"/>
+              <a:t>All the team members are responsible and are expected to work on the project features.</a:t>
+            </a:r>
+          </a:p>
+          <a:p>
+            <a:pPr lvl="1"/>
+            <a:r>
+              <a:rPr lang="en-US" dirty="0" smtClean="0"/>
+              <a:t>Each </a:t>
+            </a:r>
+            <a:r>
+              <a:rPr lang="en-US" dirty="0"/>
+              <a:t>student </a:t>
+            </a:r>
+            <a:r>
+              <a:rPr lang="en-US" dirty="0" smtClean="0"/>
+              <a:t>of the team will </a:t>
+            </a:r>
+            <a:r>
+              <a:rPr lang="en-US" dirty="0"/>
+              <a:t>be </a:t>
+            </a:r>
+            <a:r>
+              <a:rPr lang="en-US" dirty="0" smtClean="0"/>
+              <a:t>assigned as an area expert.</a:t>
+            </a:r>
+          </a:p>
+          <a:p>
+            <a:pPr lvl="1"/>
+            <a:r>
+              <a:rPr lang="en-US" dirty="0" smtClean="0"/>
+              <a:t>The expert is expected to help other </a:t>
+            </a:r>
+            <a:r>
+              <a:rPr lang="en-US" dirty="0"/>
+              <a:t>team members get up to speed, answering their questions, and researching and defining best practices. </a:t>
             </a:r>
             <a:endParaRPr lang="en-US" dirty="0" smtClean="0"/>
           </a:p>
           <a:p>
-            <a:pPr>
-              <a:lnSpc>
-                <a:spcPct val="150000"/>
-              </a:lnSpc>
-            </a:pPr>
-            <a:r>
-              <a:rPr lang="en-US" dirty="0" smtClean="0"/>
-              <a:t>You </a:t>
-            </a:r>
-            <a:r>
-              <a:rPr lang="en-US" dirty="0"/>
-              <a:t>will use these mechanisms to show your progress. </a:t>
-            </a:r>
-            <a:endParaRPr lang="en-US" dirty="0" smtClean="0"/>
-          </a:p>
-          <a:p>
-            <a:pPr>
-              <a:lnSpc>
-                <a:spcPct val="150000"/>
-              </a:lnSpc>
-            </a:pPr>
-            <a:r>
-              <a:rPr lang="en-US" dirty="0" smtClean="0"/>
-              <a:t>Your </a:t>
-            </a:r>
-            <a:r>
-              <a:rPr lang="en-US" dirty="0"/>
-              <a:t>grade for each sprint will be assessed on the following aspects:</a:t>
-            </a:r>
-          </a:p>
-          <a:p>
-            <a:pPr lvl="1">
-              <a:lnSpc>
-                <a:spcPct val="150000"/>
-              </a:lnSpc>
-            </a:pPr>
-            <a:r>
-              <a:rPr lang="en-US" dirty="0" smtClean="0"/>
-              <a:t>Value </a:t>
-            </a:r>
-            <a:r>
-              <a:rPr lang="en-US" dirty="0"/>
-              <a:t>of designed and implemented features contributed to the project</a:t>
-            </a:r>
-          </a:p>
-          <a:p>
-            <a:pPr lvl="1">
-              <a:lnSpc>
-                <a:spcPct val="150000"/>
-              </a:lnSpc>
-            </a:pPr>
-            <a:r>
-              <a:rPr lang="en-US" dirty="0"/>
-              <a:t>Quality of code contributed</a:t>
-            </a:r>
-          </a:p>
-          <a:p>
-            <a:pPr lvl="1">
-              <a:lnSpc>
-                <a:spcPct val="150000"/>
-              </a:lnSpc>
-            </a:pPr>
-            <a:r>
-              <a:rPr lang="en-US" dirty="0" smtClean="0"/>
-              <a:t>Responsiveness </a:t>
-            </a:r>
-            <a:r>
-              <a:rPr lang="en-US" dirty="0"/>
-              <a:t>and helpfulness in answering questions on your tool or technology on Slack</a:t>
-            </a:r>
-          </a:p>
-          <a:p>
-            <a:pPr lvl="1">
-              <a:lnSpc>
-                <a:spcPct val="150000"/>
-              </a:lnSpc>
-            </a:pPr>
-            <a:r>
-              <a:rPr lang="en-US" dirty="0"/>
-              <a:t>Documentation of tool or technology best practices on the </a:t>
-            </a:r>
-            <a:r>
-              <a:rPr lang="en-US" dirty="0" err="1"/>
+            <a:pPr lvl="1"/>
+            <a:r>
+              <a:rPr lang="en-US" dirty="0" smtClean="0"/>
+              <a:t>a </a:t>
+            </a:r>
+            <a:r>
+              <a:rPr lang="en-US" dirty="0"/>
+              <a:t>Wiki page on </a:t>
+            </a:r>
+            <a:r>
+              <a:rPr lang="en-US" dirty="0" err="1" smtClean="0"/>
               <a:t>Github</a:t>
             </a:r>
             <a:r>
-              <a:rPr lang="en-US" dirty="0"/>
-              <a:t> wiki</a:t>
-            </a:r>
-            <a:endParaRPr lang="en-US" dirty="0"/>
+              <a:rPr lang="en-US" dirty="0" smtClean="0"/>
+              <a:t> has to be maintained explaining </a:t>
+            </a:r>
+            <a:r>
+              <a:rPr lang="en-US" dirty="0"/>
+              <a:t>the basics of how to get started, addressing frequently asked questions, and documenting best practices. </a:t>
+            </a:r>
           </a:p>
         </p:txBody>
       </p:sp>
@@ -7598,7 +7401,7 @@
     </p:spTree>
     <p:extLst>
       <p:ext uri="{BB962C8B-B14F-4D97-AF65-F5344CB8AC3E}">
-        <p14:creationId xmlns:p14="http://schemas.microsoft.com/office/powerpoint/2010/main" val="2676041547"/>
+        <p14:creationId xmlns:p14="http://schemas.microsoft.com/office/powerpoint/2010/main" val="3107769479"/>
       </p:ext>
     </p:extLst>
   </p:cSld>
@@ -7648,136 +7451,85 @@
           <a:lstStyle/>
           <a:p>
             <a:r>
-              <a:rPr lang="en-US" dirty="0" smtClean="0"/>
-              <a:t>Reports</a:t>
+              <a:rPr lang="en-US" dirty="0"/>
+              <a:t>SWE Project Development Practices</a:t>
+            </a:r>
+          </a:p>
+        </p:txBody>
+      </p:sp>
+      <p:sp>
+        <p:nvSpPr>
+          <p:cNvPr id="3" name="Content Placeholder 2"/>
+          <p:cNvSpPr>
+            <a:spLocks noGrp="1"/>
+          </p:cNvSpPr>
+          <p:nvPr>
+            <p:ph idx="1"/>
+          </p:nvPr>
+        </p:nvSpPr>
+        <p:spPr/>
+        <p:txBody>
+          <a:bodyPr>
+            <a:normAutofit/>
+          </a:bodyPr>
+          <a:lstStyle/>
+          <a:p>
+            <a:r>
+              <a:rPr lang="en-US" dirty="0" smtClean="0"/>
+              <a:t>Technology </a:t>
+            </a:r>
+            <a:r>
+              <a:rPr lang="en-US" dirty="0"/>
+              <a:t>practices</a:t>
+            </a:r>
+          </a:p>
+          <a:p>
+            <a:pPr lvl="1"/>
+            <a:r>
+              <a:rPr lang="en-US" dirty="0" smtClean="0"/>
+              <a:t>Area expert will </a:t>
+            </a:r>
+            <a:r>
+              <a:rPr lang="en-US" dirty="0"/>
+              <a:t>ultimately be responsible for making project team members as productive as possible. </a:t>
+            </a:r>
+            <a:endParaRPr lang="en-US" dirty="0" smtClean="0"/>
+          </a:p>
+          <a:p>
+            <a:pPr lvl="1"/>
+            <a:r>
+              <a:rPr lang="en-US" dirty="0" smtClean="0"/>
+              <a:t>For </a:t>
+            </a:r>
+            <a:r>
+              <a:rPr lang="en-US" dirty="0"/>
+              <a:t>tools, this may include making sure students are aware of features and know how to use features to accomplish common activities (e.g., creating a personal branch on </a:t>
+            </a:r>
+            <a:r>
+              <a:rPr lang="en-US" dirty="0" err="1"/>
+              <a:t>Github</a:t>
+            </a:r>
+            <a:r>
+              <a:rPr lang="en-US" dirty="0"/>
+              <a:t>). </a:t>
+            </a:r>
+            <a:endParaRPr lang="en-US" dirty="0" smtClean="0"/>
+          </a:p>
+          <a:p>
+            <a:pPr lvl="1"/>
+            <a:r>
+              <a:rPr lang="en-US" dirty="0" smtClean="0"/>
+              <a:t>For </a:t>
+            </a:r>
+            <a:r>
+              <a:rPr lang="en-US" dirty="0"/>
+              <a:t>technologies, this may include setting guidelines and coding standards, offering example code snippets, or explaining how something works</a:t>
+            </a:r>
+            <a:r>
+              <a:rPr lang="en-US" dirty="0" smtClean="0"/>
+              <a:t>.</a:t>
             </a:r>
             <a:endParaRPr lang="en-US" dirty="0"/>
-          </a:p>
-        </p:txBody>
-      </p:sp>
-      <p:sp>
-        <p:nvSpPr>
-          <p:cNvPr id="3" name="Content Placeholder 2"/>
-          <p:cNvSpPr>
-            <a:spLocks noGrp="1"/>
-          </p:cNvSpPr>
-          <p:nvPr>
-            <p:ph idx="1"/>
-          </p:nvPr>
-        </p:nvSpPr>
-        <p:spPr/>
-        <p:txBody>
-          <a:bodyPr>
-            <a:normAutofit lnSpcReduction="10000"/>
-          </a:bodyPr>
-          <a:lstStyle/>
-          <a:p>
-            <a:r>
-              <a:rPr lang="en-US" dirty="0"/>
-              <a:t>Sprint reports will document your progress and achievements for the sprint. </a:t>
-            </a:r>
-            <a:endParaRPr lang="en-US" dirty="0" smtClean="0"/>
-          </a:p>
-          <a:p>
-            <a:r>
-              <a:rPr lang="en-US" dirty="0" smtClean="0"/>
-              <a:t>The </a:t>
-            </a:r>
-            <a:r>
-              <a:rPr lang="en-US" dirty="0"/>
-              <a:t>reports should go to the point explaining the main points of your progress in the sprint. </a:t>
-            </a:r>
-            <a:endParaRPr lang="en-US" dirty="0" smtClean="0"/>
-          </a:p>
-          <a:p>
-            <a:r>
-              <a:rPr lang="en-US" dirty="0" smtClean="0"/>
-              <a:t>Each </a:t>
-            </a:r>
-            <a:r>
-              <a:rPr lang="en-US" dirty="0"/>
-              <a:t>sprint report will be a slide deck with 6 slides, explaining:</a:t>
-            </a:r>
-          </a:p>
-          <a:p>
-            <a:pPr lvl="1"/>
-            <a:r>
-              <a:rPr lang="en-US" dirty="0" smtClean="0"/>
-              <a:t>Progress </a:t>
-            </a:r>
-            <a:r>
-              <a:rPr lang="en-US" dirty="0"/>
-              <a:t>and Planning:</a:t>
-            </a:r>
-          </a:p>
-          <a:p>
-            <a:pPr marL="914400" lvl="2" indent="0">
-              <a:buNone/>
-            </a:pPr>
-            <a:r>
-              <a:rPr lang="en-US" dirty="0" smtClean="0"/>
-              <a:t>1</a:t>
-            </a:r>
-            <a:r>
-              <a:rPr lang="en-US" dirty="0"/>
-              <a:t>. What the team did since the last sprint,</a:t>
-            </a:r>
-          </a:p>
-          <a:p>
-            <a:pPr marL="914400" lvl="2" indent="0">
-              <a:buNone/>
-            </a:pPr>
-            <a:r>
-              <a:rPr lang="en-US" dirty="0"/>
-              <a:t>2. What the team plans to achieve for the next sprint,</a:t>
-            </a:r>
-          </a:p>
-          <a:p>
-            <a:pPr marL="914400" lvl="2" indent="0">
-              <a:buNone/>
-            </a:pPr>
-            <a:r>
-              <a:rPr lang="en-US" dirty="0"/>
-              <a:t>3. Obstacles that the team expects to encounter and how they will solve them,</a:t>
-            </a:r>
-          </a:p>
-          <a:p>
-            <a:pPr lvl="1"/>
-            <a:r>
-              <a:rPr lang="en-US" dirty="0"/>
-              <a:t>Reflection:</a:t>
-            </a:r>
-          </a:p>
-          <a:p>
-            <a:pPr marL="914400" lvl="2" indent="0">
-              <a:buNone/>
-            </a:pPr>
-            <a:r>
-              <a:rPr lang="en-US" dirty="0" smtClean="0"/>
-              <a:t>4</a:t>
-            </a:r>
-            <a:r>
-              <a:rPr lang="en-US" dirty="0"/>
-              <a:t>. What the team did and worked really well,</a:t>
-            </a:r>
-          </a:p>
-          <a:p>
-            <a:pPr marL="914400" lvl="2" indent="0">
-              <a:buNone/>
-            </a:pPr>
-            <a:r>
-              <a:rPr lang="en-US" dirty="0"/>
-              <a:t>5. What the team tried and didn’t work very well, and</a:t>
-            </a:r>
-          </a:p>
-          <a:p>
-            <a:pPr marL="914400" lvl="2" indent="0">
-              <a:buNone/>
-            </a:pPr>
-            <a:r>
-              <a:rPr lang="en-US" dirty="0"/>
-              <a:t>6. What the team will do differently for next sprint.</a:t>
-            </a:r>
           </a:p>
         </p:txBody>
       </p:sp>
@@ -7808,13 +7560,20 @@
     </p:spTree>
     <p:extLst>
       <p:ext uri="{BB962C8B-B14F-4D97-AF65-F5344CB8AC3E}">
-        <p14:creationId xmlns:p14="http://schemas.microsoft.com/office/powerpoint/2010/main" val="2201159916"/>
+        <p14:creationId xmlns:p14="http://schemas.microsoft.com/office/powerpoint/2010/main" val="83931835"/>
       </p:ext>
     </p:extLst>
   </p:cSld>
   <p:clrMapOvr>
     <a:masterClrMapping/>
   </p:clrMapOvr>
+  <p:timing>
+    <p:tnLst>
+      <p:par>
+        <p:cTn id="1" dur="indefinite" restart="never" nodeType="tmRoot"/>
+      </p:par>
+    </p:tnLst>
+  </p:timing>
 </p:sld>
 </file>
 
@@ -7851,10 +7610,9 @@
           <a:lstStyle/>
           <a:p>
             <a:r>
-              <a:rPr lang="en-US" dirty="0" smtClean="0"/>
-              <a:t>Reports</a:t>
-            </a:r>
-            <a:endParaRPr lang="en-US" dirty="0"/>
+              <a:rPr lang="en-US" dirty="0"/>
+              <a:t>SWE Project Development Practices</a:t>
+            </a:r>
           </a:p>
         </p:txBody>
       </p:sp>
@@ -7877,14 +7635,22 @@
           <a:p>
             <a:r>
               <a:rPr lang="en-US" dirty="0"/>
-              <a:t>Technology Progress Reports (1 per student):</a:t>
+              <a:t>Class meetings</a:t>
             </a:r>
           </a:p>
           <a:p>
             <a:pPr lvl="1"/>
             <a:r>
               <a:rPr lang="en-US" dirty="0"/>
-              <a:t>Technology wikis are live documents that will evolve throughout the semester. </a:t>
+              <a:t>You will </a:t>
+            </a:r>
+            <a:r>
+              <a:rPr lang="en-US" dirty="0" smtClean="0"/>
+              <a:t>meet weekly for </a:t>
+            </a:r>
+            <a:r>
+              <a:rPr lang="en-US" dirty="0"/>
+              <a:t>team discussions (although you should also discuss and collaborate outside class meetings). </a:t>
             </a:r>
             <a:endParaRPr lang="en-US" dirty="0" smtClean="0"/>
           </a:p>
@@ -7892,58 +7658,71 @@
             <a:pPr lvl="1"/>
             <a:r>
               <a:rPr lang="en-US" dirty="0" smtClean="0"/>
-              <a:t>You </a:t>
-            </a:r>
-            <a:r>
-              <a:rPr lang="en-US" dirty="0"/>
-              <a:t>will be expected to make some progress on the wikis for every sprint, as well as regularly answer questions about your technology.</a:t>
-            </a:r>
-          </a:p>
-          <a:p>
-            <a:pPr lvl="1"/>
-            <a:r>
-              <a:rPr lang="en-US" dirty="0" smtClean="0"/>
-              <a:t>At </a:t>
-            </a:r>
-            <a:r>
-              <a:rPr lang="en-US" dirty="0"/>
-              <a:t>the end of each sprint, you will submit a technology progress report explaining your progress on your commandment of the technology. </a:t>
+              <a:t>Common </a:t>
+            </a:r>
+            <a:r>
+              <a:rPr lang="en-US" dirty="0"/>
+              <a:t>discussion topics include: </a:t>
             </a:r>
             <a:endParaRPr lang="en-US" dirty="0" smtClean="0"/>
           </a:p>
           <a:p>
-            <a:pPr lvl="1"/>
-            <a:r>
-              <a:rPr lang="en-US" dirty="0" smtClean="0"/>
-              <a:t>The </a:t>
-            </a:r>
-            <a:r>
-              <a:rPr lang="en-US" dirty="0"/>
-              <a:t>report will be free form and will consist of a single slide. </a:t>
+            <a:pPr lvl="2"/>
+            <a:r>
+              <a:rPr lang="en-US" dirty="0" smtClean="0"/>
+              <a:t>tool </a:t>
+            </a:r>
+            <a:r>
+              <a:rPr lang="en-US" dirty="0"/>
+              <a:t>and technology best practices, </a:t>
             </a:r>
             <a:endParaRPr lang="en-US" dirty="0" smtClean="0"/>
           </a:p>
           <a:p>
-            <a:pPr lvl="1"/>
-            <a:r>
-              <a:rPr lang="en-US" dirty="0" smtClean="0"/>
-              <a:t>Example </a:t>
-            </a:r>
-            <a:r>
-              <a:rPr lang="en-US" dirty="0"/>
-              <a:t>of things that you may want to report are: updates on the technology wiki, research done on best practices on your technology, or questions answered to your peers</a:t>
-            </a:r>
-            <a:r>
-              <a:rPr lang="en-US" dirty="0" smtClean="0"/>
-              <a:t>.</a:t>
+            <a:pPr lvl="2"/>
+            <a:r>
+              <a:rPr lang="en-US" dirty="0" smtClean="0"/>
+              <a:t>features </a:t>
+            </a:r>
+            <a:r>
+              <a:rPr lang="en-US" dirty="0"/>
+              <a:t>and </a:t>
+            </a:r>
+            <a:r>
+              <a:rPr lang="en-US" dirty="0" smtClean="0"/>
+              <a:t>requirements</a:t>
+            </a:r>
+          </a:p>
+          <a:p>
+            <a:pPr lvl="2"/>
+            <a:r>
+              <a:rPr lang="en-US" dirty="0" smtClean="0"/>
+              <a:t>architecture </a:t>
+            </a:r>
+            <a:r>
+              <a:rPr lang="en-US" dirty="0"/>
+              <a:t>and design, and </a:t>
+            </a:r>
+            <a:endParaRPr lang="en-US" dirty="0" smtClean="0"/>
+          </a:p>
+          <a:p>
+            <a:pPr lvl="2"/>
+            <a:r>
+              <a:rPr lang="en-US" dirty="0" smtClean="0"/>
+              <a:t>planning </a:t>
+            </a:r>
+            <a:r>
+              <a:rPr lang="en-US" dirty="0"/>
+              <a:t>the next sprint. </a:t>
+            </a:r>
+            <a:endParaRPr lang="en-US" dirty="0" smtClean="0"/>
+          </a:p>
+          <a:p>
+            <a:r>
+              <a:rPr lang="en-US" dirty="0" smtClean="0"/>
+              <a:t>We need to agree on a time for the class.</a:t>
             </a:r>
             <a:endParaRPr lang="en-US" dirty="0"/>
-          </a:p>
-          <a:p>
-            <a:r>
-              <a:rPr lang="en-US" dirty="0"/>
-              <a:t>This report will not be part of your Sprint Demo.</a:t>
-            </a:r>
           </a:p>
         </p:txBody>
       </p:sp>
@@ -7974,13 +7753,20 @@
     </p:spTree>
     <p:extLst>
       <p:ext uri="{BB962C8B-B14F-4D97-AF65-F5344CB8AC3E}">
-        <p14:creationId xmlns:p14="http://schemas.microsoft.com/office/powerpoint/2010/main" val="2155246610"/>
+        <p14:creationId xmlns:p14="http://schemas.microsoft.com/office/powerpoint/2010/main" val="2669223992"/>
       </p:ext>
     </p:extLst>
   </p:cSld>
   <p:clrMapOvr>
     <a:masterClrMapping/>
   </p:clrMapOvr>
+  <p:timing>
+    <p:tnLst>
+      <p:par>
+        <p:cTn id="1" dur="indefinite" restart="never" nodeType="tmRoot"/>
+      </p:par>
+    </p:tnLst>
+  </p:timing>
 </p:sld>
 </file>
 
@@ -8161,20 +7947,130 @@
         <p:spPr/>
         <p:txBody>
           <a:bodyPr>
-            <a:normAutofit/>
+            <a:normAutofit fontScale="85000" lnSpcReduction="20000"/>
           </a:bodyPr>
           <a:lstStyle/>
           <a:p>
-            <a:r>
-              <a:rPr lang="en-US" dirty="0"/>
-              <a:t>Peer Assessments (1 per student):</a:t>
-            </a:r>
-          </a:p>
-          <a:p>
-            <a:pPr lvl="1"/>
-            <a:r>
-              <a:rPr lang="en-US" dirty="0"/>
-              <a:t>At the end of each sprint, each student will submit a peer assessment, filling in the Peer Assessment Form.</a:t>
+            <a:pPr>
+              <a:lnSpc>
+                <a:spcPct val="150000"/>
+              </a:lnSpc>
+            </a:pPr>
+            <a:r>
+              <a:rPr lang="en-US" dirty="0" smtClean="0"/>
+              <a:t>At </a:t>
+            </a:r>
+            <a:r>
+              <a:rPr lang="en-US" dirty="0"/>
+              <a:t>the end of each sprint, you will show your progress in an informal demo and a report. </a:t>
+            </a:r>
+            <a:endParaRPr lang="en-US" dirty="0" smtClean="0"/>
+          </a:p>
+          <a:p>
+            <a:pPr>
+              <a:lnSpc>
+                <a:spcPct val="150000"/>
+              </a:lnSpc>
+            </a:pPr>
+            <a:r>
+              <a:rPr lang="en-US" dirty="0" smtClean="0"/>
+              <a:t>You </a:t>
+            </a:r>
+            <a:r>
+              <a:rPr lang="en-US" dirty="0"/>
+              <a:t>will also submit a assessment of your peer’s work. </a:t>
+            </a:r>
+            <a:endParaRPr lang="en-US" dirty="0" smtClean="0"/>
+          </a:p>
+          <a:p>
+            <a:pPr>
+              <a:lnSpc>
+                <a:spcPct val="150000"/>
+              </a:lnSpc>
+            </a:pPr>
+            <a:r>
+              <a:rPr lang="en-US" dirty="0" smtClean="0"/>
+              <a:t>You </a:t>
+            </a:r>
+            <a:r>
+              <a:rPr lang="en-US" dirty="0"/>
+              <a:t>will use these mechanisms to show your progress. </a:t>
+            </a:r>
+            <a:endParaRPr lang="en-US" dirty="0" smtClean="0"/>
+          </a:p>
+          <a:p>
+            <a:pPr>
+              <a:lnSpc>
+                <a:spcPct val="150000"/>
+              </a:lnSpc>
+            </a:pPr>
+            <a:r>
+              <a:rPr lang="en-US" dirty="0" smtClean="0"/>
+              <a:t>Your </a:t>
+            </a:r>
+            <a:r>
+              <a:rPr lang="en-US" dirty="0"/>
+              <a:t>grade for each sprint will be assessed on the following aspects:</a:t>
+            </a:r>
+          </a:p>
+          <a:p>
+            <a:pPr lvl="1">
+              <a:lnSpc>
+                <a:spcPct val="150000"/>
+              </a:lnSpc>
+            </a:pPr>
+            <a:r>
+              <a:rPr lang="en-US" dirty="0" smtClean="0"/>
+              <a:t>Value </a:t>
+            </a:r>
+            <a:r>
+              <a:rPr lang="en-US" dirty="0"/>
+              <a:t>of designed and implemented features contributed to the project</a:t>
+            </a:r>
+          </a:p>
+          <a:p>
+            <a:pPr lvl="1">
+              <a:lnSpc>
+                <a:spcPct val="150000"/>
+              </a:lnSpc>
+            </a:pPr>
+            <a:r>
+              <a:rPr lang="en-US" dirty="0"/>
+              <a:t>Quality of code contributed</a:t>
+            </a:r>
+          </a:p>
+          <a:p>
+            <a:pPr lvl="1">
+              <a:lnSpc>
+                <a:spcPct val="150000"/>
+              </a:lnSpc>
+            </a:pPr>
+            <a:r>
+              <a:rPr lang="en-US" dirty="0" smtClean="0"/>
+              <a:t>Responsiveness </a:t>
+            </a:r>
+            <a:r>
+              <a:rPr lang="en-US" dirty="0"/>
+              <a:t>and helpfulness in answering questions on your tool or technology on Slack</a:t>
+            </a:r>
+          </a:p>
+          <a:p>
+            <a:pPr lvl="1">
+              <a:lnSpc>
+                <a:spcPct val="150000"/>
+              </a:lnSpc>
+            </a:pPr>
+            <a:r>
+              <a:rPr lang="en-US" dirty="0"/>
+              <a:t>Documentation of tool or technology best practices on the </a:t>
+            </a:r>
+            <a:r>
+              <a:rPr lang="en-US" dirty="0" err="1"/>
+              <a:t>Github</a:t>
+            </a:r>
+            <a:r>
+              <a:rPr lang="en-US" dirty="0"/>
+              <a:t> wiki</a:t>
             </a:r>
           </a:p>
         </p:txBody>
@@ -8198,6 +8094,504 @@
               <a:rPr lang="en-US" smtClean="0"/>
               <a:pPr/>
               <a:t>30</a:t>
+            </a:fld>
+            <a:endParaRPr lang="en-US" dirty="0"/>
+          </a:p>
+        </p:txBody>
+      </p:sp>
+    </p:spTree>
+    <p:extLst>
+      <p:ext uri="{BB962C8B-B14F-4D97-AF65-F5344CB8AC3E}">
+        <p14:creationId xmlns:p14="http://schemas.microsoft.com/office/powerpoint/2010/main" val="2676041547"/>
+      </p:ext>
+    </p:extLst>
+  </p:cSld>
+  <p:clrMapOvr>
+    <a:masterClrMapping/>
+  </p:clrMapOvr>
+  <p:timing>
+    <p:tnLst>
+      <p:par>
+        <p:cTn id="1" dur="indefinite" restart="never" nodeType="tmRoot"/>
+      </p:par>
+    </p:tnLst>
+  </p:timing>
+</p:sld>
+</file>
+
+<file path=ppt/slides/slide31.xml><?xml version="1.0" encoding="utf-8"?>
+<p:sld xmlns:a="http://schemas.openxmlformats.org/drawingml/2006/main" xmlns:r="http://schemas.openxmlformats.org/officeDocument/2006/relationships" xmlns:p="http://schemas.openxmlformats.org/presentationml/2006/main">
+  <p:cSld>
+    <p:spTree>
+      <p:nvGrpSpPr>
+        <p:cNvPr id="1" name=""/>
+        <p:cNvGrpSpPr/>
+        <p:nvPr/>
+      </p:nvGrpSpPr>
+      <p:grpSpPr>
+        <a:xfrm>
+          <a:off x="0" y="0"/>
+          <a:ext cx="0" cy="0"/>
+          <a:chOff x="0" y="0"/>
+          <a:chExt cx="0" cy="0"/>
+        </a:xfrm>
+      </p:grpSpPr>
+      <p:sp>
+        <p:nvSpPr>
+          <p:cNvPr id="2" name="Title 1"/>
+          <p:cNvSpPr>
+            <a:spLocks noGrp="1"/>
+          </p:cNvSpPr>
+          <p:nvPr>
+            <p:ph type="title"/>
+          </p:nvPr>
+        </p:nvSpPr>
+        <p:spPr/>
+        <p:txBody>
+          <a:bodyPr/>
+          <a:lstStyle/>
+          <a:p>
+            <a:r>
+              <a:rPr lang="en-US" dirty="0" smtClean="0"/>
+              <a:t>Reports</a:t>
+            </a:r>
+            <a:endParaRPr lang="en-US" dirty="0"/>
+          </a:p>
+        </p:txBody>
+      </p:sp>
+      <p:sp>
+        <p:nvSpPr>
+          <p:cNvPr id="3" name="Content Placeholder 2"/>
+          <p:cNvSpPr>
+            <a:spLocks noGrp="1"/>
+          </p:cNvSpPr>
+          <p:nvPr>
+            <p:ph idx="1"/>
+          </p:nvPr>
+        </p:nvSpPr>
+        <p:spPr/>
+        <p:txBody>
+          <a:bodyPr>
+            <a:normAutofit lnSpcReduction="10000"/>
+          </a:bodyPr>
+          <a:lstStyle/>
+          <a:p>
+            <a:r>
+              <a:rPr lang="en-US" dirty="0"/>
+              <a:t>Sprint reports will document your progress and achievements for the sprint. </a:t>
+            </a:r>
+            <a:endParaRPr lang="en-US" dirty="0" smtClean="0"/>
+          </a:p>
+          <a:p>
+            <a:r>
+              <a:rPr lang="en-US" dirty="0" smtClean="0"/>
+              <a:t>The </a:t>
+            </a:r>
+            <a:r>
+              <a:rPr lang="en-US" dirty="0"/>
+              <a:t>reports should go to the point explaining the main points of your progress in the sprint. </a:t>
+            </a:r>
+            <a:endParaRPr lang="en-US" dirty="0" smtClean="0"/>
+          </a:p>
+          <a:p>
+            <a:r>
+              <a:rPr lang="en-US" dirty="0" smtClean="0"/>
+              <a:t>Each </a:t>
+            </a:r>
+            <a:r>
+              <a:rPr lang="en-US" dirty="0"/>
+              <a:t>sprint report will be a slide deck with 6 slides, explaining:</a:t>
+            </a:r>
+          </a:p>
+          <a:p>
+            <a:pPr lvl="1"/>
+            <a:r>
+              <a:rPr lang="en-US" dirty="0" smtClean="0"/>
+              <a:t>Progress </a:t>
+            </a:r>
+            <a:r>
+              <a:rPr lang="en-US" dirty="0"/>
+              <a:t>and Planning:</a:t>
+            </a:r>
+          </a:p>
+          <a:p>
+            <a:pPr marL="914400" lvl="2" indent="0">
+              <a:buNone/>
+            </a:pPr>
+            <a:r>
+              <a:rPr lang="en-US" dirty="0" smtClean="0"/>
+              <a:t>1</a:t>
+            </a:r>
+            <a:r>
+              <a:rPr lang="en-US" dirty="0"/>
+              <a:t>. What the team did since the last sprint,</a:t>
+            </a:r>
+          </a:p>
+          <a:p>
+            <a:pPr marL="914400" lvl="2" indent="0">
+              <a:buNone/>
+            </a:pPr>
+            <a:r>
+              <a:rPr lang="en-US" dirty="0"/>
+              <a:t>2. What the team plans to achieve for the next sprint,</a:t>
+            </a:r>
+          </a:p>
+          <a:p>
+            <a:pPr marL="914400" lvl="2" indent="0">
+              <a:buNone/>
+            </a:pPr>
+            <a:r>
+              <a:rPr lang="en-US" dirty="0"/>
+              <a:t>3. Obstacles that the team expects to encounter and how they will solve them,</a:t>
+            </a:r>
+          </a:p>
+          <a:p>
+            <a:pPr lvl="1"/>
+            <a:r>
+              <a:rPr lang="en-US" dirty="0"/>
+              <a:t>Reflection:</a:t>
+            </a:r>
+          </a:p>
+          <a:p>
+            <a:pPr marL="914400" lvl="2" indent="0">
+              <a:buNone/>
+            </a:pPr>
+            <a:r>
+              <a:rPr lang="en-US" dirty="0" smtClean="0"/>
+              <a:t>4</a:t>
+            </a:r>
+            <a:r>
+              <a:rPr lang="en-US" dirty="0"/>
+              <a:t>. What the team did and worked really well,</a:t>
+            </a:r>
+          </a:p>
+          <a:p>
+            <a:pPr marL="914400" lvl="2" indent="0">
+              <a:buNone/>
+            </a:pPr>
+            <a:r>
+              <a:rPr lang="en-US" dirty="0"/>
+              <a:t>5. What the team tried and didn’t work very well, and</a:t>
+            </a:r>
+          </a:p>
+          <a:p>
+            <a:pPr marL="914400" lvl="2" indent="0">
+              <a:buNone/>
+            </a:pPr>
+            <a:r>
+              <a:rPr lang="en-US" dirty="0"/>
+              <a:t>6. What the team will do differently for next sprint.</a:t>
+            </a:r>
+          </a:p>
+        </p:txBody>
+      </p:sp>
+      <p:sp>
+        <p:nvSpPr>
+          <p:cNvPr id="4" name="Slide Number Placeholder 3"/>
+          <p:cNvSpPr>
+            <a:spLocks noGrp="1"/>
+          </p:cNvSpPr>
+          <p:nvPr>
+            <p:ph type="sldNum" sz="quarter" idx="12"/>
+          </p:nvPr>
+        </p:nvSpPr>
+        <p:spPr/>
+        <p:txBody>
+          <a:bodyPr/>
+          <a:lstStyle/>
+          <a:p>
+            <a:fld id="{B8DACC02-A2BD-4578-8E03-6D891060A695}" type="slidenum">
+              <a:rPr lang="en-US" smtClean="0"/>
+              <a:pPr/>
+              <a:t>31</a:t>
+            </a:fld>
+            <a:endParaRPr lang="en-US" dirty="0"/>
+          </a:p>
+        </p:txBody>
+      </p:sp>
+    </p:spTree>
+    <p:extLst>
+      <p:ext uri="{BB962C8B-B14F-4D97-AF65-F5344CB8AC3E}">
+        <p14:creationId xmlns:p14="http://schemas.microsoft.com/office/powerpoint/2010/main" val="2201159916"/>
+      </p:ext>
+    </p:extLst>
+  </p:cSld>
+  <p:clrMapOvr>
+    <a:masterClrMapping/>
+  </p:clrMapOvr>
+  <p:timing>
+    <p:tnLst>
+      <p:par>
+        <p:cTn id="1" dur="indefinite" restart="never" nodeType="tmRoot"/>
+      </p:par>
+    </p:tnLst>
+  </p:timing>
+</p:sld>
+</file>
+
+<file path=ppt/slides/slide32.xml><?xml version="1.0" encoding="utf-8"?>
+<p:sld xmlns:a="http://schemas.openxmlformats.org/drawingml/2006/main" xmlns:r="http://schemas.openxmlformats.org/officeDocument/2006/relationships" xmlns:p="http://schemas.openxmlformats.org/presentationml/2006/main">
+  <p:cSld>
+    <p:spTree>
+      <p:nvGrpSpPr>
+        <p:cNvPr id="1" name=""/>
+        <p:cNvGrpSpPr/>
+        <p:nvPr/>
+      </p:nvGrpSpPr>
+      <p:grpSpPr>
+        <a:xfrm>
+          <a:off x="0" y="0"/>
+          <a:ext cx="0" cy="0"/>
+          <a:chOff x="0" y="0"/>
+          <a:chExt cx="0" cy="0"/>
+        </a:xfrm>
+      </p:grpSpPr>
+      <p:sp>
+        <p:nvSpPr>
+          <p:cNvPr id="2" name="Title 1"/>
+          <p:cNvSpPr>
+            <a:spLocks noGrp="1"/>
+          </p:cNvSpPr>
+          <p:nvPr>
+            <p:ph type="title"/>
+          </p:nvPr>
+        </p:nvSpPr>
+        <p:spPr/>
+        <p:txBody>
+          <a:bodyPr/>
+          <a:lstStyle/>
+          <a:p>
+            <a:r>
+              <a:rPr lang="en-US" dirty="0" smtClean="0"/>
+              <a:t>Reports</a:t>
+            </a:r>
+            <a:endParaRPr lang="en-US" dirty="0"/>
+          </a:p>
+        </p:txBody>
+      </p:sp>
+      <p:sp>
+        <p:nvSpPr>
+          <p:cNvPr id="3" name="Content Placeholder 2"/>
+          <p:cNvSpPr>
+            <a:spLocks noGrp="1"/>
+          </p:cNvSpPr>
+          <p:nvPr>
+            <p:ph idx="1"/>
+          </p:nvPr>
+        </p:nvSpPr>
+        <p:spPr/>
+        <p:txBody>
+          <a:bodyPr>
+            <a:normAutofit/>
+          </a:bodyPr>
+          <a:lstStyle/>
+          <a:p>
+            <a:r>
+              <a:rPr lang="en-US" dirty="0"/>
+              <a:t>Technology Progress Reports (1 per student):</a:t>
+            </a:r>
+          </a:p>
+          <a:p>
+            <a:pPr lvl="1"/>
+            <a:r>
+              <a:rPr lang="en-US" dirty="0"/>
+              <a:t>Technology wikis are live documents that will evolve throughout the semester. </a:t>
+            </a:r>
+            <a:endParaRPr lang="en-US" dirty="0" smtClean="0"/>
+          </a:p>
+          <a:p>
+            <a:pPr lvl="1"/>
+            <a:r>
+              <a:rPr lang="en-US" dirty="0" smtClean="0"/>
+              <a:t>You </a:t>
+            </a:r>
+            <a:r>
+              <a:rPr lang="en-US" dirty="0"/>
+              <a:t>will be expected to make some progress on the wikis for every sprint, as well as regularly answer questions about your technology.</a:t>
+            </a:r>
+          </a:p>
+          <a:p>
+            <a:pPr lvl="1"/>
+            <a:r>
+              <a:rPr lang="en-US" dirty="0" smtClean="0"/>
+              <a:t>At </a:t>
+            </a:r>
+            <a:r>
+              <a:rPr lang="en-US" dirty="0"/>
+              <a:t>the end of each sprint, you will submit a technology progress report explaining your progress on your commandment of the technology. </a:t>
+            </a:r>
+            <a:endParaRPr lang="en-US" dirty="0" smtClean="0"/>
+          </a:p>
+          <a:p>
+            <a:pPr lvl="1"/>
+            <a:r>
+              <a:rPr lang="en-US" dirty="0" smtClean="0"/>
+              <a:t>The </a:t>
+            </a:r>
+            <a:r>
+              <a:rPr lang="en-US" dirty="0"/>
+              <a:t>report will be free form and will consist of a single slide. </a:t>
+            </a:r>
+            <a:endParaRPr lang="en-US" dirty="0" smtClean="0"/>
+          </a:p>
+          <a:p>
+            <a:pPr lvl="1"/>
+            <a:r>
+              <a:rPr lang="en-US" dirty="0" smtClean="0"/>
+              <a:t>Example </a:t>
+            </a:r>
+            <a:r>
+              <a:rPr lang="en-US" dirty="0"/>
+              <a:t>of things that you may want to report are: updates on the technology wiki, research done on best practices on your technology, or questions answered to your peers</a:t>
+            </a:r>
+            <a:r>
+              <a:rPr lang="en-US" dirty="0" smtClean="0"/>
+              <a:t>.</a:t>
+            </a:r>
+            <a:endParaRPr lang="en-US" dirty="0"/>
+          </a:p>
+          <a:p>
+            <a:r>
+              <a:rPr lang="en-US" dirty="0"/>
+              <a:t>This report will not be part of your Sprint Demo.</a:t>
+            </a:r>
+          </a:p>
+        </p:txBody>
+      </p:sp>
+      <p:sp>
+        <p:nvSpPr>
+          <p:cNvPr id="4" name="Slide Number Placeholder 3"/>
+          <p:cNvSpPr>
+            <a:spLocks noGrp="1"/>
+          </p:cNvSpPr>
+          <p:nvPr>
+            <p:ph type="sldNum" sz="quarter" idx="12"/>
+          </p:nvPr>
+        </p:nvSpPr>
+        <p:spPr/>
+        <p:txBody>
+          <a:bodyPr/>
+          <a:lstStyle/>
+          <a:p>
+            <a:fld id="{B8DACC02-A2BD-4578-8E03-6D891060A695}" type="slidenum">
+              <a:rPr lang="en-US" smtClean="0"/>
+              <a:pPr/>
+              <a:t>32</a:t>
+            </a:fld>
+            <a:endParaRPr lang="en-US" dirty="0"/>
+          </a:p>
+        </p:txBody>
+      </p:sp>
+    </p:spTree>
+    <p:extLst>
+      <p:ext uri="{BB962C8B-B14F-4D97-AF65-F5344CB8AC3E}">
+        <p14:creationId xmlns:p14="http://schemas.microsoft.com/office/powerpoint/2010/main" val="2155246610"/>
+      </p:ext>
+    </p:extLst>
+  </p:cSld>
+  <p:clrMapOvr>
+    <a:masterClrMapping/>
+  </p:clrMapOvr>
+  <p:timing>
+    <p:tnLst>
+      <p:par>
+        <p:cTn id="1" dur="indefinite" restart="never" nodeType="tmRoot"/>
+      </p:par>
+    </p:tnLst>
+  </p:timing>
+</p:sld>
+</file>
+
+<file path=ppt/slides/slide33.xml><?xml version="1.0" encoding="utf-8"?>
+<p:sld xmlns:a="http://schemas.openxmlformats.org/drawingml/2006/main" xmlns:r="http://schemas.openxmlformats.org/officeDocument/2006/relationships" xmlns:p="http://schemas.openxmlformats.org/presentationml/2006/main">
+  <p:cSld>
+    <p:spTree>
+      <p:nvGrpSpPr>
+        <p:cNvPr id="1" name=""/>
+        <p:cNvGrpSpPr/>
+        <p:nvPr/>
+      </p:nvGrpSpPr>
+      <p:grpSpPr>
+        <a:xfrm>
+          <a:off x="0" y="0"/>
+          <a:ext cx="0" cy="0"/>
+          <a:chOff x="0" y="0"/>
+          <a:chExt cx="0" cy="0"/>
+        </a:xfrm>
+      </p:grpSpPr>
+      <p:sp>
+        <p:nvSpPr>
+          <p:cNvPr id="2" name="Title 1"/>
+          <p:cNvSpPr>
+            <a:spLocks noGrp="1"/>
+          </p:cNvSpPr>
+          <p:nvPr>
+            <p:ph type="title"/>
+          </p:nvPr>
+        </p:nvSpPr>
+        <p:spPr/>
+        <p:txBody>
+          <a:bodyPr/>
+          <a:lstStyle/>
+          <a:p>
+            <a:r>
+              <a:rPr lang="en-US" dirty="0" smtClean="0"/>
+              <a:t>Reports</a:t>
+            </a:r>
+            <a:endParaRPr lang="en-US" dirty="0"/>
+          </a:p>
+        </p:txBody>
+      </p:sp>
+      <p:sp>
+        <p:nvSpPr>
+          <p:cNvPr id="3" name="Content Placeholder 2"/>
+          <p:cNvSpPr>
+            <a:spLocks noGrp="1"/>
+          </p:cNvSpPr>
+          <p:nvPr>
+            <p:ph idx="1"/>
+          </p:nvPr>
+        </p:nvSpPr>
+        <p:spPr/>
+        <p:txBody>
+          <a:bodyPr>
+            <a:normAutofit/>
+          </a:bodyPr>
+          <a:lstStyle/>
+          <a:p>
+            <a:r>
+              <a:rPr lang="en-US" dirty="0"/>
+              <a:t>Peer Assessments (1 per student):</a:t>
+            </a:r>
+          </a:p>
+          <a:p>
+            <a:pPr lvl="1"/>
+            <a:r>
+              <a:rPr lang="en-US" dirty="0"/>
+              <a:t>At the end of each sprint, each student will submit a peer assessment, filling in the Peer Assessment Form.</a:t>
+            </a:r>
+          </a:p>
+        </p:txBody>
+      </p:sp>
+      <p:sp>
+        <p:nvSpPr>
+          <p:cNvPr id="4" name="Slide Number Placeholder 3"/>
+          <p:cNvSpPr>
+            <a:spLocks noGrp="1"/>
+          </p:cNvSpPr>
+          <p:nvPr>
+            <p:ph type="sldNum" sz="quarter" idx="12"/>
+          </p:nvPr>
+        </p:nvSpPr>
+        <p:spPr/>
+        <p:txBody>
+          <a:bodyPr/>
+          <a:lstStyle/>
+          <a:p>
+            <a:fld id="{B8DACC02-A2BD-4578-8E03-6D891060A695}" type="slidenum">
+              <a:rPr lang="en-US" smtClean="0"/>
+              <a:pPr/>
+              <a:t>33</a:t>
             </a:fld>
             <a:endParaRPr lang="en-US" dirty="0"/>
           </a:p>
@@ -8213,6 +8607,13 @@
   <p:clrMapOvr>
     <a:masterClrMapping/>
   </p:clrMapOvr>
+  <p:timing>
+    <p:tnLst>
+      <p:par>
+        <p:cTn id="1" dur="indefinite" restart="never" nodeType="tmRoot"/>
+      </p:par>
+    </p:tnLst>
+  </p:timing>
 </p:sld>
 </file>
 

--- a/SE499/Lectures/1/Introduction.pptx
+++ b/SE499/Lectures/1/Introduction.pptx
@@ -258,7 +258,7 @@
           <a:p>
             <a:fld id="{41DA9887-9249-49FD-809A-BACB264048C3}" type="datetimeFigureOut">
               <a:rPr lang="en-US" smtClean="0"/>
-              <a:t>9/13/2023</a:t>
+              <a:t>10/3/2023</a:t>
             </a:fld>
             <a:endParaRPr lang="en-US"/>
           </a:p>
@@ -660,7 +660,7 @@
           <a:p>
             <a:fld id="{EF213E56-3C1A-435A-851B-5B1F221C2038}" type="datetime1">
               <a:rPr lang="en-US" smtClean="0"/>
-              <a:t>9/13/2023</a:t>
+              <a:t>10/3/2023</a:t>
             </a:fld>
             <a:endParaRPr lang="en-US"/>
           </a:p>
@@ -939,7 +939,7 @@
           <a:p>
             <a:fld id="{B4696837-4851-4AA6-8AED-554226C981D1}" type="datetime1">
               <a:rPr lang="en-US" smtClean="0"/>
-              <a:t>9/13/2023</a:t>
+              <a:t>10/3/2023</a:t>
             </a:fld>
             <a:endParaRPr lang="en-US"/>
           </a:p>
@@ -1117,7 +1117,7 @@
           <a:p>
             <a:fld id="{BADD32E1-BB70-4827-BA33-FF5AFC435BE9}" type="datetime1">
               <a:rPr lang="en-US" smtClean="0"/>
-              <a:t>9/13/2023</a:t>
+              <a:t>10/3/2023</a:t>
             </a:fld>
             <a:endParaRPr lang="en-US"/>
           </a:p>
@@ -1363,7 +1363,7 @@
             </a:pPr>
             <a:fld id="{40B9EAF6-54F2-4DF5-9C6B-3F6F95B86356}" type="datetime1">
               <a:rPr lang="en-US" smtClean="0"/>
-              <a:t>9/13/2023</a:t>
+              <a:t>10/3/2023</a:t>
             </a:fld>
             <a:endParaRPr lang="en-US"/>
           </a:p>
@@ -1544,7 +1544,7 @@
             </a:pPr>
             <a:fld id="{D3D64A56-6FF4-479A-8655-719A18A98C4B}" type="datetime1">
               <a:rPr lang="en-US" smtClean="0"/>
-              <a:t>9/13/2023</a:t>
+              <a:t>10/3/2023</a:t>
             </a:fld>
             <a:endParaRPr lang="en-US"/>
           </a:p>
@@ -1822,7 +1822,7 @@
           <a:p>
             <a:fld id="{BB961044-FC46-4CBC-9061-59528F4899F3}" type="datetime1">
               <a:rPr lang="en-US" smtClean="0"/>
-              <a:t>9/13/2023</a:t>
+              <a:t>10/3/2023</a:t>
             </a:fld>
             <a:endParaRPr lang="en-US"/>
           </a:p>
@@ -2166,7 +2166,7 @@
           <a:p>
             <a:fld id="{4466A08C-77F3-471E-A5C4-1D2068144BAC}" type="datetime1">
               <a:rPr lang="en-US" smtClean="0"/>
-              <a:t>9/13/2023</a:t>
+              <a:t>10/3/2023</a:t>
             </a:fld>
             <a:endParaRPr lang="en-US"/>
           </a:p>
@@ -2395,7 +2395,7 @@
           <a:p>
             <a:fld id="{B90A7AD1-16F4-44C3-AE32-24C59A599E9D}" type="datetime1">
               <a:rPr lang="en-US" smtClean="0"/>
-              <a:t>9/13/2023</a:t>
+              <a:t>10/3/2023</a:t>
             </a:fld>
             <a:endParaRPr lang="en-US"/>
           </a:p>
@@ -2759,7 +2759,7 @@
           <a:p>
             <a:fld id="{B583DB4F-4316-4DF5-A229-BC1D787C82A0}" type="datetime1">
               <a:rPr lang="en-US" smtClean="0"/>
-              <a:t>9/13/2023</a:t>
+              <a:t>10/3/2023</a:t>
             </a:fld>
             <a:endParaRPr lang="en-US"/>
           </a:p>
@@ -2854,7 +2854,7 @@
           <a:p>
             <a:fld id="{AE6064B7-7A9F-432D-B7B9-6824267AA574}" type="datetime1">
               <a:rPr lang="en-US" smtClean="0"/>
-              <a:t>9/13/2023</a:t>
+              <a:t>10/3/2023</a:t>
             </a:fld>
             <a:endParaRPr lang="en-US"/>
           </a:p>
@@ -3076,7 +3076,7 @@
             <a:fld id="{B2F5E2FA-C428-4CE7-95B0-168D3259A5BB}" type="datetimeFigureOut">
               <a:rPr lang="en-US" smtClean="0"/>
               <a:pPr/>
-              <a:t>9/13/2023</a:t>
+              <a:t>10/3/2023</a:t>
             </a:fld>
             <a:endParaRPr lang="en-US"/>
           </a:p>
@@ -3247,7 +3247,7 @@
           <a:p>
             <a:fld id="{4E1C93A2-B712-486A-8AB5-D41B95D547BE}" type="datetime1">
               <a:rPr lang="en-US" smtClean="0"/>
-              <a:t>9/13/2023</a:t>
+              <a:t>10/3/2023</a:t>
             </a:fld>
             <a:endParaRPr lang="en-US"/>
           </a:p>
@@ -3522,7 +3522,7 @@
           <a:p>
             <a:fld id="{CAB2F318-F19F-4608-B7EF-F7FB8A482213}" type="datetime1">
               <a:rPr lang="en-US" smtClean="0"/>
-              <a:t>9/13/2023</a:t>
+              <a:t>10/3/2023</a:t>
             </a:fld>
             <a:endParaRPr lang="en-US"/>
           </a:p>
@@ -3774,7 +3774,7 @@
           <a:p>
             <a:fld id="{BB9CEF8C-69D6-4C3E-B892-F682F307A7B6}" type="datetime1">
               <a:rPr lang="en-US" smtClean="0"/>
-              <a:t>9/13/2023</a:t>
+              <a:t>10/3/2023</a:t>
             </a:fld>
             <a:endParaRPr lang="en-US"/>
           </a:p>
@@ -3985,7 +3985,7 @@
           <a:p>
             <a:fld id="{FB737C73-4A31-4C17-AFB7-7B8470027787}" type="datetime1">
               <a:rPr lang="en-US" smtClean="0"/>
-              <a:t>9/13/2023</a:t>
+              <a:t>10/3/2023</a:t>
             </a:fld>
             <a:endParaRPr lang="en-US"/>
           </a:p>
@@ -6107,8 +6107,12 @@
           <a:lstStyle/>
           <a:p>
             <a:r>
-              <a:rPr lang="en-US" dirty="0"/>
-              <a:t>Examples of product backlog items</a:t>
+              <a:rPr lang="en-US" dirty="0" smtClean="0"/>
+              <a:t>Product </a:t>
+            </a:r>
+            <a:r>
+              <a:rPr lang="en-US" dirty="0"/>
+              <a:t>backlog items</a:t>
             </a:r>
           </a:p>
         </p:txBody>
